--- a/PPT_KHOA LUẬN.pptx
+++ b/PPT_KHOA LUẬN.pptx
@@ -5,71 +5,70 @@
     <p:sldMasterId id="2147483648" r:id="rId1"/>
   </p:sldMasterIdLst>
   <p:notesMasterIdLst>
-    <p:notesMasterId r:id="rId31"/>
+    <p:notesMasterId r:id="rId30"/>
   </p:notesMasterIdLst>
   <p:sldIdLst>
     <p:sldId id="285" r:id="rId2"/>
-    <p:sldId id="286" r:id="rId3"/>
-    <p:sldId id="256" r:id="rId4"/>
-    <p:sldId id="257" r:id="rId5"/>
-    <p:sldId id="271" r:id="rId6"/>
-    <p:sldId id="292" r:id="rId7"/>
-    <p:sldId id="293" r:id="rId8"/>
+    <p:sldId id="256" r:id="rId3"/>
+    <p:sldId id="257" r:id="rId4"/>
+    <p:sldId id="271" r:id="rId5"/>
+    <p:sldId id="292" r:id="rId6"/>
+    <p:sldId id="293" r:id="rId7"/>
+    <p:sldId id="272" r:id="rId8"/>
     <p:sldId id="290" r:id="rId9"/>
-    <p:sldId id="272" r:id="rId10"/>
-    <p:sldId id="275" r:id="rId11"/>
-    <p:sldId id="274" r:id="rId12"/>
-    <p:sldId id="287" r:id="rId13"/>
-    <p:sldId id="281" r:id="rId14"/>
-    <p:sldId id="294" r:id="rId15"/>
-    <p:sldId id="297" r:id="rId16"/>
-    <p:sldId id="295" r:id="rId17"/>
-    <p:sldId id="282" r:id="rId18"/>
-    <p:sldId id="298" r:id="rId19"/>
-    <p:sldId id="299" r:id="rId20"/>
-    <p:sldId id="283" r:id="rId21"/>
-    <p:sldId id="276" r:id="rId22"/>
-    <p:sldId id="277" r:id="rId23"/>
-    <p:sldId id="300" r:id="rId24"/>
-    <p:sldId id="284" r:id="rId25"/>
-    <p:sldId id="279" r:id="rId26"/>
-    <p:sldId id="288" r:id="rId27"/>
-    <p:sldId id="289" r:id="rId28"/>
-    <p:sldId id="280" r:id="rId29"/>
-    <p:sldId id="269" r:id="rId30"/>
+    <p:sldId id="275" r:id="rId10"/>
+    <p:sldId id="274" r:id="rId11"/>
+    <p:sldId id="287" r:id="rId12"/>
+    <p:sldId id="281" r:id="rId13"/>
+    <p:sldId id="294" r:id="rId14"/>
+    <p:sldId id="297" r:id="rId15"/>
+    <p:sldId id="295" r:id="rId16"/>
+    <p:sldId id="282" r:id="rId17"/>
+    <p:sldId id="298" r:id="rId18"/>
+    <p:sldId id="299" r:id="rId19"/>
+    <p:sldId id="283" r:id="rId20"/>
+    <p:sldId id="276" r:id="rId21"/>
+    <p:sldId id="277" r:id="rId22"/>
+    <p:sldId id="300" r:id="rId23"/>
+    <p:sldId id="284" r:id="rId24"/>
+    <p:sldId id="279" r:id="rId25"/>
+    <p:sldId id="288" r:id="rId26"/>
+    <p:sldId id="289" r:id="rId27"/>
+    <p:sldId id="280" r:id="rId28"/>
+    <p:sldId id="269" r:id="rId29"/>
   </p:sldIdLst>
   <p:sldSz cx="18288000" cy="10287000"/>
   <p:notesSz cx="6858000" cy="9144000"/>
   <p:embeddedFontLst>
     <p:embeddedFont>
       <p:font typeface="#9Slide03 Montserrat Black" panose="00000A00000000000000" pitchFamily="2" charset="0"/>
-      <p:bold r:id="rId32"/>
+      <p:bold r:id="rId31"/>
     </p:embeddedFont>
     <p:embeddedFont>
       <p:font typeface="#9Slide03 Montserrat Light" panose="00000400000000000000" pitchFamily="2" charset="0"/>
+      <p:regular r:id="rId32"/>
+    </p:embeddedFont>
+    <p:embeddedFont>
+      <p:font typeface="#9Slide03 Montserrat Medium" panose="00000600000000000000" pitchFamily="2" charset="0"/>
       <p:regular r:id="rId33"/>
     </p:embeddedFont>
     <p:embeddedFont>
-      <p:font typeface="#9Slide03 Montserrat Medium" panose="00000600000000000000" pitchFamily="2" charset="0"/>
+      <p:font typeface="Calibri" panose="020F0502020204030204" pitchFamily="34" charset="0"/>
       <p:regular r:id="rId34"/>
-    </p:embeddedFont>
-    <p:embeddedFont>
-      <p:font typeface="Calibri" panose="020F0502020204030204" pitchFamily="34" charset="0"/>
-      <p:regular r:id="rId35"/>
-      <p:bold r:id="rId36"/>
-      <p:italic r:id="rId37"/>
-      <p:boldItalic r:id="rId38"/>
+      <p:bold r:id="rId35"/>
+      <p:italic r:id="rId36"/>
+      <p:boldItalic r:id="rId37"/>
     </p:embeddedFont>
     <p:embeddedFont>
       <p:font typeface="Open Sans" panose="020B0604020202020204" charset="0"/>
-      <p:regular r:id="rId39"/>
-      <p:bold r:id="rId40"/>
-      <p:italic r:id="rId41"/>
-      <p:boldItalic r:id="rId42"/>
+      <p:regular r:id="rId38"/>
+      <p:bold r:id="rId39"/>
+      <p:italic r:id="rId40"/>
+      <p:boldItalic r:id="rId41"/>
     </p:embeddedFont>
     <p:embeddedFont>
       <p:font typeface="UTM Colossalis" panose="02040603050506020204" pitchFamily="18" charset="0"/>
-      <p:regular r:id="rId43"/>
+      <p:regular r:id="rId42"/>
     </p:embeddedFont>
   </p:embeddedFontLst>
   <p:defaultTextStyle>
@@ -317,7 +316,7 @@
       </p15:sldGuideLst>
     </p:ext>
     <p:ext uri="GoogleSlidesCustomDataVersion2">
-      <go:slidesCustomData xmlns="" xmlns:mc="http://schemas.openxmlformats.org/markup-compatibility/2006" xmlns:mv="urn:schemas-microsoft-com:mac:vml" xmlns:c="http://schemas.openxmlformats.org/drawingml/2006/chart" xmlns:dgm="http://schemas.openxmlformats.org/drawingml/2006/diagram" xmlns:o="urn:schemas-microsoft-com:office:office" xmlns:v="urn:schemas-microsoft-com:vml" xmlns:pvml="urn:schemas-microsoft-com:office:powerpoint" xmlns:com="http://schemas.openxmlformats.org/drawingml/2006/compatibility" xmlns:p14="http://schemas.microsoft.com/office/powerpoint/2010/main" xmlns:p15="http://schemas.microsoft.com/office/powerpoint/2012/main" xmlns:ahyp="http://schemas.microsoft.com/office/drawing/2018/hyperlinkcolor" xmlns:go="http://customooxmlschemas.google.com/" r:id="rId44" roundtripDataSignature="AMtx7mhA/8HHpgNt0TcPD8tEZICdNuzZ4w=="/>
+      <go:slidesCustomData xmlns:go="http://customooxmlschemas.google.com/" xmlns:ahyp="http://schemas.microsoft.com/office/drawing/2018/hyperlinkcolor" xmlns:p15="http://schemas.microsoft.com/office/powerpoint/2012/main" xmlns:p14="http://schemas.microsoft.com/office/powerpoint/2010/main" xmlns:com="http://schemas.openxmlformats.org/drawingml/2006/compatibility" xmlns:pvml="urn:schemas-microsoft-com:office:powerpoint" xmlns:v="urn:schemas-microsoft-com:vml" xmlns:o="urn:schemas-microsoft-com:office:office" xmlns:dgm="http://schemas.openxmlformats.org/drawingml/2006/diagram" xmlns:c="http://schemas.openxmlformats.org/drawingml/2006/chart" xmlns:mv="urn:schemas-microsoft-com:mac:vml" xmlns:mc="http://schemas.openxmlformats.org/markup-compatibility/2006" xmlns="" r:id="rId44" roundtripDataSignature="AMtx7mhA/8HHpgNt0TcPD8tEZICdNuzZ4w=="/>
     </p:ext>
   </p:extLst>
 </p:presentation>
@@ -1719,7 +1718,7 @@
     </p:spTree>
     <p:extLst>
       <p:ext uri="{BB962C8B-B14F-4D97-AF65-F5344CB8AC3E}">
-        <p14:creationId xmlns:p14="http://schemas.microsoft.com/office/powerpoint/2010/main" val="2164105748"/>
+        <p14:creationId xmlns:p14="http://schemas.microsoft.com/office/powerpoint/2010/main" val="763591903"/>
       </p:ext>
     </p:extLst>
   </p:cSld>
@@ -1828,7 +1827,7 @@
     </p:spTree>
     <p:extLst>
       <p:ext uri="{BB962C8B-B14F-4D97-AF65-F5344CB8AC3E}">
-        <p14:creationId xmlns:p14="http://schemas.microsoft.com/office/powerpoint/2010/main" val="763591903"/>
+        <p14:creationId xmlns:p14="http://schemas.microsoft.com/office/powerpoint/2010/main" val="3537529285"/>
       </p:ext>
     </p:extLst>
   </p:cSld>
@@ -1937,7 +1936,7 @@
     </p:spTree>
     <p:extLst>
       <p:ext uri="{BB962C8B-B14F-4D97-AF65-F5344CB8AC3E}">
-        <p14:creationId xmlns:p14="http://schemas.microsoft.com/office/powerpoint/2010/main" val="3537529285"/>
+        <p14:creationId xmlns:p14="http://schemas.microsoft.com/office/powerpoint/2010/main" val="2068210282"/>
       </p:ext>
     </p:extLst>
   </p:cSld>
@@ -2046,7 +2045,7 @@
     </p:spTree>
     <p:extLst>
       <p:ext uri="{BB962C8B-B14F-4D97-AF65-F5344CB8AC3E}">
-        <p14:creationId xmlns:p14="http://schemas.microsoft.com/office/powerpoint/2010/main" val="2068210282"/>
+        <p14:creationId xmlns:p14="http://schemas.microsoft.com/office/powerpoint/2010/main" val="1702738"/>
       </p:ext>
     </p:extLst>
   </p:cSld>
@@ -2155,7 +2154,7 @@
     </p:spTree>
     <p:extLst>
       <p:ext uri="{BB962C8B-B14F-4D97-AF65-F5344CB8AC3E}">
-        <p14:creationId xmlns:p14="http://schemas.microsoft.com/office/powerpoint/2010/main" val="1702738"/>
+        <p14:creationId xmlns:p14="http://schemas.microsoft.com/office/powerpoint/2010/main" val="1035500107"/>
       </p:ext>
     </p:extLst>
   </p:cSld>
@@ -2264,7 +2263,7 @@
     </p:spTree>
     <p:extLst>
       <p:ext uri="{BB962C8B-B14F-4D97-AF65-F5344CB8AC3E}">
-        <p14:creationId xmlns:p14="http://schemas.microsoft.com/office/powerpoint/2010/main" val="1035500107"/>
+        <p14:creationId xmlns:p14="http://schemas.microsoft.com/office/powerpoint/2010/main" val="3570885440"/>
       </p:ext>
     </p:extLst>
   </p:cSld>
@@ -2373,7 +2372,7 @@
     </p:spTree>
     <p:extLst>
       <p:ext uri="{BB962C8B-B14F-4D97-AF65-F5344CB8AC3E}">
-        <p14:creationId xmlns:p14="http://schemas.microsoft.com/office/powerpoint/2010/main" val="3570885440"/>
+        <p14:creationId xmlns:p14="http://schemas.microsoft.com/office/powerpoint/2010/main" val="3962212744"/>
       </p:ext>
     </p:extLst>
   </p:cSld>
@@ -2482,7 +2481,7 @@
     </p:spTree>
     <p:extLst>
       <p:ext uri="{BB962C8B-B14F-4D97-AF65-F5344CB8AC3E}">
-        <p14:creationId xmlns:p14="http://schemas.microsoft.com/office/powerpoint/2010/main" val="3962212744"/>
+        <p14:creationId xmlns:p14="http://schemas.microsoft.com/office/powerpoint/2010/main" val="2861761448"/>
       </p:ext>
     </p:extLst>
   </p:cSld>
@@ -2591,7 +2590,7 @@
     </p:spTree>
     <p:extLst>
       <p:ext uri="{BB962C8B-B14F-4D97-AF65-F5344CB8AC3E}">
-        <p14:creationId xmlns:p14="http://schemas.microsoft.com/office/powerpoint/2010/main" val="2861761448"/>
+        <p14:creationId xmlns:p14="http://schemas.microsoft.com/office/powerpoint/2010/main" val="1909862490"/>
       </p:ext>
     </p:extLst>
   </p:cSld>
@@ -2700,7 +2699,7 @@
     </p:spTree>
     <p:extLst>
       <p:ext uri="{BB962C8B-B14F-4D97-AF65-F5344CB8AC3E}">
-        <p14:creationId xmlns:p14="http://schemas.microsoft.com/office/powerpoint/2010/main" val="1909862490"/>
+        <p14:creationId xmlns:p14="http://schemas.microsoft.com/office/powerpoint/2010/main" val="2505537795"/>
       </p:ext>
     </p:extLst>
   </p:cSld>
@@ -2715,7 +2714,7 @@
   <p:cSld>
     <p:spTree>
       <p:nvGrpSpPr>
-        <p:cNvPr id="1" name="Shape 96"/>
+        <p:cNvPr id="1" name="Shape 85"/>
         <p:cNvGrpSpPr/>
         <p:nvPr/>
       </p:nvGrpSpPr>
@@ -2729,7 +2728,7 @@
       </p:grpSpPr>
       <p:sp>
         <p:nvSpPr>
-          <p:cNvPr id="97" name="Google Shape;97;p2:notes"/>
+          <p:cNvPr id="86" name="Google Shape;86;p1:notes"/>
           <p:cNvSpPr txBox="1">
             <a:spLocks noGrp="1"/>
           </p:cNvSpPr>
@@ -2761,13 +2760,13 @@
               </a:spcAft>
               <a:buNone/>
             </a:pPr>
-            <a:endParaRPr dirty="0"/>
+            <a:endParaRPr/>
           </a:p>
         </p:txBody>
       </p:sp>
       <p:sp>
         <p:nvSpPr>
-          <p:cNvPr id="98" name="Google Shape;98;p2:notes"/>
+          <p:cNvPr id="87" name="Google Shape;87;p1:notes"/>
           <p:cNvSpPr>
             <a:spLocks noGrp="1" noRot="1" noChangeAspect="1"/>
           </p:cNvSpPr>
@@ -2913,7 +2912,7 @@
     </p:spTree>
     <p:extLst>
       <p:ext uri="{BB962C8B-B14F-4D97-AF65-F5344CB8AC3E}">
-        <p14:creationId xmlns:p14="http://schemas.microsoft.com/office/powerpoint/2010/main" val="2505537795"/>
+        <p14:creationId xmlns:p14="http://schemas.microsoft.com/office/powerpoint/2010/main" val="1554363869"/>
       </p:ext>
     </p:extLst>
   </p:cSld>
@@ -3022,7 +3021,7 @@
     </p:spTree>
     <p:extLst>
       <p:ext uri="{BB962C8B-B14F-4D97-AF65-F5344CB8AC3E}">
-        <p14:creationId xmlns:p14="http://schemas.microsoft.com/office/powerpoint/2010/main" val="1554363869"/>
+        <p14:creationId xmlns:p14="http://schemas.microsoft.com/office/powerpoint/2010/main" val="829494153"/>
       </p:ext>
     </p:extLst>
   </p:cSld>
@@ -3131,7 +3130,7 @@
     </p:spTree>
     <p:extLst>
       <p:ext uri="{BB962C8B-B14F-4D97-AF65-F5344CB8AC3E}">
-        <p14:creationId xmlns:p14="http://schemas.microsoft.com/office/powerpoint/2010/main" val="829494153"/>
+        <p14:creationId xmlns:p14="http://schemas.microsoft.com/office/powerpoint/2010/main" val="1609326193"/>
       </p:ext>
     </p:extLst>
   </p:cSld>
@@ -3240,7 +3239,7 @@
     </p:spTree>
     <p:extLst>
       <p:ext uri="{BB962C8B-B14F-4D97-AF65-F5344CB8AC3E}">
-        <p14:creationId xmlns:p14="http://schemas.microsoft.com/office/powerpoint/2010/main" val="1609326193"/>
+        <p14:creationId xmlns:p14="http://schemas.microsoft.com/office/powerpoint/2010/main" val="635382213"/>
       </p:ext>
     </p:extLst>
   </p:cSld>
@@ -3349,7 +3348,7 @@
     </p:spTree>
     <p:extLst>
       <p:ext uri="{BB962C8B-B14F-4D97-AF65-F5344CB8AC3E}">
-        <p14:creationId xmlns:p14="http://schemas.microsoft.com/office/powerpoint/2010/main" val="635382213"/>
+        <p14:creationId xmlns:p14="http://schemas.microsoft.com/office/powerpoint/2010/main" val="341362786"/>
       </p:ext>
     </p:extLst>
   </p:cSld>
@@ -3458,7 +3457,7 @@
     </p:spTree>
     <p:extLst>
       <p:ext uri="{BB962C8B-B14F-4D97-AF65-F5344CB8AC3E}">
-        <p14:creationId xmlns:p14="http://schemas.microsoft.com/office/powerpoint/2010/main" val="341362786"/>
+        <p14:creationId xmlns:p14="http://schemas.microsoft.com/office/powerpoint/2010/main" val="3520466226"/>
       </p:ext>
     </p:extLst>
   </p:cSld>
@@ -3567,7 +3566,7 @@
     </p:spTree>
     <p:extLst>
       <p:ext uri="{BB962C8B-B14F-4D97-AF65-F5344CB8AC3E}">
-        <p14:creationId xmlns:p14="http://schemas.microsoft.com/office/powerpoint/2010/main" val="3520466226"/>
+        <p14:creationId xmlns:p14="http://schemas.microsoft.com/office/powerpoint/2010/main" val="3093037965"/>
       </p:ext>
     </p:extLst>
   </p:cSld>
@@ -3676,7 +3675,7 @@
     </p:spTree>
     <p:extLst>
       <p:ext uri="{BB962C8B-B14F-4D97-AF65-F5344CB8AC3E}">
-        <p14:creationId xmlns:p14="http://schemas.microsoft.com/office/powerpoint/2010/main" val="3093037965"/>
+        <p14:creationId xmlns:p14="http://schemas.microsoft.com/office/powerpoint/2010/main" val="4270193074"/>
       </p:ext>
     </p:extLst>
   </p:cSld>
@@ -3687,115 +3686,6 @@
 </file>
 
 <file path=ppt/notesSlides/notesSlide28.xml><?xml version="1.0" encoding="utf-8"?>
-<p:notes xmlns:a="http://schemas.openxmlformats.org/drawingml/2006/main" xmlns:r="http://schemas.openxmlformats.org/officeDocument/2006/relationships" xmlns:p="http://schemas.openxmlformats.org/presentationml/2006/main" showMasterSp="0" showMasterPhAnim="0">
-  <p:cSld>
-    <p:spTree>
-      <p:nvGrpSpPr>
-        <p:cNvPr id="1" name="Shape 96"/>
-        <p:cNvGrpSpPr/>
-        <p:nvPr/>
-      </p:nvGrpSpPr>
-      <p:grpSpPr>
-        <a:xfrm>
-          <a:off x="0" y="0"/>
-          <a:ext cx="0" cy="0"/>
-          <a:chOff x="0" y="0"/>
-          <a:chExt cx="0" cy="0"/>
-        </a:xfrm>
-      </p:grpSpPr>
-      <p:sp>
-        <p:nvSpPr>
-          <p:cNvPr id="97" name="Google Shape;97;p2:notes"/>
-          <p:cNvSpPr txBox="1">
-            <a:spLocks noGrp="1"/>
-          </p:cNvSpPr>
-          <p:nvPr>
-            <p:ph type="body" idx="1"/>
-          </p:nvPr>
-        </p:nvSpPr>
-        <p:spPr>
-          <a:xfrm>
-            <a:off x="685800" y="4400550"/>
-            <a:ext cx="5486400" cy="3600450"/>
-          </a:xfrm>
-          <a:prstGeom prst="rect">
-            <a:avLst/>
-          </a:prstGeom>
-        </p:spPr>
-        <p:txBody>
-          <a:bodyPr spcFirstLastPara="1" wrap="square" lIns="91425" tIns="45700" rIns="91425" bIns="45700" anchor="t" anchorCtr="0">
-            <a:noAutofit/>
-          </a:bodyPr>
-          <a:lstStyle/>
-          <a:p>
-            <a:pPr marL="0" lvl="0" indent="0" algn="l" rtl="0">
-              <a:spcBef>
-                <a:spcPts val="0"/>
-              </a:spcBef>
-              <a:spcAft>
-                <a:spcPts val="0"/>
-              </a:spcAft>
-              <a:buNone/>
-            </a:pPr>
-            <a:endParaRPr/>
-          </a:p>
-        </p:txBody>
-      </p:sp>
-      <p:sp>
-        <p:nvSpPr>
-          <p:cNvPr id="98" name="Google Shape;98;p2:notes"/>
-          <p:cNvSpPr>
-            <a:spLocks noGrp="1" noRot="1" noChangeAspect="1"/>
-          </p:cNvSpPr>
-          <p:nvPr>
-            <p:ph type="sldImg" idx="2"/>
-          </p:nvPr>
-        </p:nvSpPr>
-        <p:spPr>
-          <a:xfrm>
-            <a:off x="685800" y="1143000"/>
-            <a:ext cx="5486400" cy="3086100"/>
-          </a:xfrm>
-          <a:custGeom>
-            <a:avLst/>
-            <a:gdLst/>
-            <a:ahLst/>
-            <a:cxnLst/>
-            <a:rect l="l" t="t" r="r" b="b"/>
-            <a:pathLst>
-              <a:path w="120000" h="120000" extrusionOk="0">
-                <a:moveTo>
-                  <a:pt x="0" y="0"/>
-                </a:moveTo>
-                <a:lnTo>
-                  <a:pt x="120000" y="0"/>
-                </a:lnTo>
-                <a:lnTo>
-                  <a:pt x="120000" y="120000"/>
-                </a:lnTo>
-                <a:lnTo>
-                  <a:pt x="0" y="120000"/>
-                </a:lnTo>
-                <a:close/>
-              </a:path>
-            </a:pathLst>
-          </a:custGeom>
-        </p:spPr>
-      </p:sp>
-    </p:spTree>
-    <p:extLst>
-      <p:ext uri="{BB962C8B-B14F-4D97-AF65-F5344CB8AC3E}">
-        <p14:creationId xmlns:p14="http://schemas.microsoft.com/office/powerpoint/2010/main" val="4270193074"/>
-      </p:ext>
-    </p:extLst>
-  </p:cSld>
-  <p:clrMapOvr>
-    <a:masterClrMapping/>
-  </p:clrMapOvr>
-</p:notes>
-</file>
-
-<file path=ppt/notesSlides/notesSlide29.xml><?xml version="1.0" encoding="utf-8"?>
 <p:notes xmlns:a="http://schemas.openxmlformats.org/drawingml/2006/main" xmlns:r="http://schemas.openxmlformats.org/officeDocument/2006/relationships" xmlns:p="http://schemas.openxmlformats.org/presentationml/2006/main" showMasterSp="0" showMasterPhAnim="0">
   <p:cSld>
     <p:spTree>
@@ -3904,7 +3794,7 @@
   <p:cSld>
     <p:spTree>
       <p:nvGrpSpPr>
-        <p:cNvPr id="1" name="Shape 85"/>
+        <p:cNvPr id="1" name="Shape 96"/>
         <p:cNvGrpSpPr/>
         <p:nvPr/>
       </p:nvGrpSpPr>
@@ -3918,7 +3808,7 @@
       </p:grpSpPr>
       <p:sp>
         <p:nvSpPr>
-          <p:cNvPr id="86" name="Google Shape;86;p1:notes"/>
+          <p:cNvPr id="97" name="Google Shape;97;p2:notes"/>
           <p:cNvSpPr txBox="1">
             <a:spLocks noGrp="1"/>
           </p:cNvSpPr>
@@ -3956,7 +3846,7 @@
       </p:sp>
       <p:sp>
         <p:nvSpPr>
-          <p:cNvPr id="87" name="Google Shape;87;p1:notes"/>
+          <p:cNvPr id="98" name="Google Shape;98;p2:notes"/>
           <p:cNvSpPr>
             <a:spLocks noGrp="1" noRot="1" noChangeAspect="1"/>
           </p:cNvSpPr>
@@ -4100,6 +3990,11 @@
         </p:spPr>
       </p:sp>
     </p:spTree>
+    <p:extLst>
+      <p:ext uri="{BB962C8B-B14F-4D97-AF65-F5344CB8AC3E}">
+        <p14:creationId xmlns:p14="http://schemas.microsoft.com/office/powerpoint/2010/main" val="476545121"/>
+      </p:ext>
+    </p:extLst>
   </p:cSld>
   <p:clrMapOvr>
     <a:masterClrMapping/>
@@ -4206,7 +4101,7 @@
     </p:spTree>
     <p:extLst>
       <p:ext uri="{BB962C8B-B14F-4D97-AF65-F5344CB8AC3E}">
-        <p14:creationId xmlns:p14="http://schemas.microsoft.com/office/powerpoint/2010/main" val="476545121"/>
+        <p14:creationId xmlns:p14="http://schemas.microsoft.com/office/powerpoint/2010/main" val="3073535070"/>
       </p:ext>
     </p:extLst>
   </p:cSld>
@@ -4315,7 +4210,7 @@
     </p:spTree>
     <p:extLst>
       <p:ext uri="{BB962C8B-B14F-4D97-AF65-F5344CB8AC3E}">
-        <p14:creationId xmlns:p14="http://schemas.microsoft.com/office/powerpoint/2010/main" val="3073535070"/>
+        <p14:creationId xmlns:p14="http://schemas.microsoft.com/office/powerpoint/2010/main" val="3678213952"/>
       </p:ext>
     </p:extLst>
   </p:cSld>
@@ -4424,7 +4319,7 @@
     </p:spTree>
     <p:extLst>
       <p:ext uri="{BB962C8B-B14F-4D97-AF65-F5344CB8AC3E}">
-        <p14:creationId xmlns:p14="http://schemas.microsoft.com/office/powerpoint/2010/main" val="3678213952"/>
+        <p14:creationId xmlns:p14="http://schemas.microsoft.com/office/powerpoint/2010/main" val="1756091837"/>
       </p:ext>
     </p:extLst>
   </p:cSld>
@@ -4642,7 +4537,7 @@
     </p:spTree>
     <p:extLst>
       <p:ext uri="{BB962C8B-B14F-4D97-AF65-F5344CB8AC3E}">
-        <p14:creationId xmlns:p14="http://schemas.microsoft.com/office/powerpoint/2010/main" val="1756091837"/>
+        <p14:creationId xmlns:p14="http://schemas.microsoft.com/office/powerpoint/2010/main" val="2164105748"/>
       </p:ext>
     </p:extLst>
   </p:cSld>
@@ -14602,7 +14497,7 @@
         <p:spPr>
           <a:xfrm>
             <a:off x="12459" y="3182726"/>
-            <a:ext cx="18634534" cy="2013372"/>
+            <a:ext cx="18634534" cy="2383409"/>
           </a:xfrm>
           <a:prstGeom prst="rect">
             <a:avLst/>
@@ -14631,7 +14526,7 @@
               <a:buNone/>
             </a:pPr>
             <a:r>
-              <a:rPr lang="en-US" sz="8000" b="1" i="0" u="none" strike="noStrike" cap="none" dirty="0">
+              <a:rPr lang="en-US" sz="8800" b="1" i="0" u="none" strike="noStrike" cap="none" dirty="0">
                 <a:solidFill>
                   <a:srgbClr val="17365D"/>
                 </a:solidFill>
@@ -14642,7 +14537,7 @@
               </a:rPr>
               <a:t>BÁO CÁO </a:t>
             </a:r>
-            <a:endParaRPr dirty="0"/>
+            <a:endParaRPr sz="8800" dirty="0"/>
           </a:p>
           <a:p>
             <a:pPr marL="0" marR="0" lvl="0" indent="0" algn="ctr" rtl="0">
@@ -14655,7 +14550,7 @@
               <a:buNone/>
             </a:pPr>
             <a:r>
-              <a:rPr lang="en-US" sz="8000" b="1" i="0" u="none" strike="noStrike" cap="none" dirty="0">
+              <a:rPr lang="en-US" sz="8800" b="1" i="0" u="none" strike="noStrike" cap="none" dirty="0">
                 <a:solidFill>
                   <a:srgbClr val="17365D"/>
                 </a:solidFill>
@@ -14666,7 +14561,7 @@
               </a:rPr>
               <a:t>KHÓA LUẬN TỐT NGHIỆP</a:t>
             </a:r>
-            <a:endParaRPr dirty="0"/>
+            <a:endParaRPr sz="8800" dirty="0"/>
           </a:p>
         </p:txBody>
       </p:sp>
@@ -14909,7 +14804,7 @@
         <p:spPr>
           <a:xfrm>
             <a:off x="12459" y="194339"/>
-            <a:ext cx="18493905" cy="1231106"/>
+            <a:ext cx="18275541" cy="1231106"/>
           </a:xfrm>
           <a:prstGeom prst="rect">
             <a:avLst/>
@@ -14939,9 +14834,7 @@
                 <a:solidFill>
                   <a:srgbClr val="3B6492"/>
                 </a:solidFill>
-                <a:latin typeface="Arial"/>
-                <a:ea typeface="Arial"/>
-                <a:cs typeface="Arial"/>
+                <a:latin typeface="+mj-lt"/>
                 <a:sym typeface="Arial"/>
               </a:rPr>
               <a:t>TRƯỜNG ĐẠI HỌC CÔNG NGHỆ</a:t>
@@ -14962,9 +14855,7 @@
                 <a:solidFill>
                   <a:srgbClr val="3B6492"/>
                 </a:solidFill>
-                <a:latin typeface="Arial"/>
-                <a:ea typeface="Arial"/>
-                <a:cs typeface="Arial"/>
+                <a:latin typeface="+mj-lt"/>
                 <a:sym typeface="Arial"/>
               </a:rPr>
               <a:t>ĐẠI HỌC QUỐC GIA HÀ NỘI</a:t>
@@ -14973,9 +14864,7 @@
               <a:solidFill>
                 <a:srgbClr val="3B6492"/>
               </a:solidFill>
-              <a:latin typeface="Arial"/>
-              <a:ea typeface="Arial"/>
-              <a:cs typeface="Arial"/>
+              <a:latin typeface="+mj-lt"/>
               <a:sym typeface="Arial"/>
             </a:endParaRPr>
           </a:p>
@@ -15079,576 +14968,6 @@
 </file>
 
 <file path=ppt/slides/slide10.xml><?xml version="1.0" encoding="utf-8"?>
-<p:sld xmlns:a="http://schemas.openxmlformats.org/drawingml/2006/main" xmlns:r="http://schemas.openxmlformats.org/officeDocument/2006/relationships" xmlns:p="http://schemas.openxmlformats.org/presentationml/2006/main">
-  <p:cSld>
-    <p:spTree>
-      <p:nvGrpSpPr>
-        <p:cNvPr id="1" name="Shape 99"/>
-        <p:cNvGrpSpPr/>
-        <p:nvPr/>
-      </p:nvGrpSpPr>
-      <p:grpSpPr>
-        <a:xfrm>
-          <a:off x="0" y="0"/>
-          <a:ext cx="0" cy="0"/>
-          <a:chOff x="0" y="0"/>
-          <a:chExt cx="0" cy="0"/>
-        </a:xfrm>
-      </p:grpSpPr>
-      <p:grpSp>
-        <p:nvGrpSpPr>
-          <p:cNvPr id="100" name="Google Shape;100;p2"/>
-          <p:cNvGrpSpPr/>
-          <p:nvPr/>
-        </p:nvGrpSpPr>
-        <p:grpSpPr>
-          <a:xfrm>
-            <a:off x="0" y="9563570"/>
-            <a:ext cx="18288000" cy="744052"/>
-            <a:chOff x="0" y="0"/>
-            <a:chExt cx="25315333" cy="2330007"/>
-          </a:xfrm>
-          <a:solidFill>
-            <a:srgbClr val="00477F"/>
-          </a:solidFill>
-        </p:grpSpPr>
-        <p:sp>
-          <p:nvSpPr>
-            <p:cNvPr id="101" name="Google Shape;101;p2"/>
-            <p:cNvSpPr/>
-            <p:nvPr/>
-          </p:nvSpPr>
-          <p:spPr>
-            <a:xfrm>
-              <a:off x="0" y="0"/>
-              <a:ext cx="25315333" cy="2330007"/>
-            </a:xfrm>
-            <a:prstGeom prst="rect">
-              <a:avLst/>
-            </a:prstGeom>
-            <a:grpFill/>
-            <a:ln>
-              <a:noFill/>
-            </a:ln>
-          </p:spPr>
-          <p:txBody>
-            <a:bodyPr spcFirstLastPara="1" wrap="square" lIns="91425" tIns="45700" rIns="91425" bIns="45700" anchor="t" anchorCtr="0">
-              <a:noAutofit/>
-            </a:bodyPr>
-            <a:lstStyle/>
-            <a:p>
-              <a:pPr marL="0" marR="0" lvl="0" indent="0" algn="l" rtl="0">
-                <a:spcBef>
-                  <a:spcPts val="0"/>
-                </a:spcBef>
-                <a:spcAft>
-                  <a:spcPts val="0"/>
-                </a:spcAft>
-                <a:buNone/>
-              </a:pPr>
-              <a:endParaRPr sz="1800">
-                <a:solidFill>
-                  <a:schemeClr val="dk1"/>
-                </a:solidFill>
-                <a:latin typeface="Open Sans"/>
-                <a:ea typeface="Open Sans"/>
-                <a:cs typeface="Open Sans"/>
-                <a:sym typeface="Open Sans"/>
-              </a:endParaRPr>
-            </a:p>
-          </p:txBody>
-        </p:sp>
-        <p:sp>
-          <p:nvSpPr>
-            <p:cNvPr id="102" name="Google Shape;102;p2"/>
-            <p:cNvSpPr txBox="1"/>
-            <p:nvPr/>
-          </p:nvSpPr>
-          <p:spPr>
-            <a:xfrm>
-              <a:off x="843844" y="491343"/>
-              <a:ext cx="13763919" cy="1686660"/>
-            </a:xfrm>
-            <a:prstGeom prst="rect">
-              <a:avLst/>
-            </a:prstGeom>
-            <a:grpFill/>
-            <a:ln>
-              <a:noFill/>
-            </a:ln>
-          </p:spPr>
-          <p:txBody>
-            <a:bodyPr spcFirstLastPara="1" wrap="square" lIns="0" tIns="0" rIns="0" bIns="0" anchor="t" anchorCtr="0">
-              <a:spAutoFit/>
-            </a:bodyPr>
-            <a:lstStyle/>
-            <a:p>
-              <a:pPr marL="0" marR="0" lvl="0" indent="0" algn="l" rtl="0">
-                <a:lnSpc>
-                  <a:spcPct val="175000"/>
-                </a:lnSpc>
-                <a:spcBef>
-                  <a:spcPts val="0"/>
-                </a:spcBef>
-                <a:spcAft>
-                  <a:spcPts val="0"/>
-                </a:spcAft>
-                <a:buNone/>
-              </a:pPr>
-              <a:r>
-                <a:rPr lang="en-US" sz="2000">
-                  <a:solidFill>
-                    <a:srgbClr val="F8F7F0"/>
-                  </a:solidFill>
-                  <a:latin typeface="Open Sans"/>
-                  <a:ea typeface="Open Sans"/>
-                  <a:cs typeface="Open Sans"/>
-                  <a:sym typeface="Open Sans"/>
-                </a:rPr>
-                <a:t>ĐỀ TÀI TỐT NGHIỆP SINH VIÊN NĂM HỌC 2024-2025</a:t>
-              </a:r>
-              <a:endParaRPr/>
-            </a:p>
-          </p:txBody>
-        </p:sp>
-      </p:grpSp>
-      <p:sp>
-        <p:nvSpPr>
-          <p:cNvPr id="104" name="Google Shape;104;p2"/>
-          <p:cNvSpPr/>
-          <p:nvPr/>
-        </p:nvSpPr>
-        <p:spPr>
-          <a:xfrm>
-            <a:off x="1028700" y="1948793"/>
-            <a:ext cx="16192500" cy="114300"/>
-          </a:xfrm>
-          <a:prstGeom prst="rect">
-            <a:avLst/>
-          </a:prstGeom>
-          <a:solidFill>
-            <a:srgbClr val="00477F"/>
-          </a:solidFill>
-          <a:ln>
-            <a:noFill/>
-          </a:ln>
-        </p:spPr>
-        <p:txBody>
-          <a:bodyPr spcFirstLastPara="1" wrap="square" lIns="91425" tIns="45700" rIns="91425" bIns="45700" anchor="t" anchorCtr="0">
-            <a:noAutofit/>
-          </a:bodyPr>
-          <a:lstStyle/>
-          <a:p>
-            <a:pPr marL="0" marR="0" lvl="0" indent="0" algn="l" rtl="0">
-              <a:spcBef>
-                <a:spcPts val="0"/>
-              </a:spcBef>
-              <a:spcAft>
-                <a:spcPts val="0"/>
-              </a:spcAft>
-              <a:buNone/>
-            </a:pPr>
-            <a:endParaRPr sz="1800">
-              <a:solidFill>
-                <a:schemeClr val="dk1"/>
-              </a:solidFill>
-              <a:latin typeface="Open Sans"/>
-              <a:ea typeface="Open Sans"/>
-              <a:cs typeface="Open Sans"/>
-              <a:sym typeface="Open Sans"/>
-            </a:endParaRPr>
-          </a:p>
-        </p:txBody>
-      </p:sp>
-      <p:sp>
-        <p:nvSpPr>
-          <p:cNvPr id="127" name="Google Shape;127;p2"/>
-          <p:cNvSpPr txBox="1"/>
-          <p:nvPr/>
-        </p:nvSpPr>
-        <p:spPr>
-          <a:xfrm>
-            <a:off x="16830675" y="9692822"/>
-            <a:ext cx="847725" cy="424634"/>
-          </a:xfrm>
-          <a:prstGeom prst="rect">
-            <a:avLst/>
-          </a:prstGeom>
-          <a:noFill/>
-          <a:ln>
-            <a:noFill/>
-          </a:ln>
-        </p:spPr>
-        <p:txBody>
-          <a:bodyPr spcFirstLastPara="1" wrap="square" lIns="0" tIns="0" rIns="0" bIns="0" anchor="t" anchorCtr="0">
-            <a:spAutoFit/>
-          </a:bodyPr>
-          <a:lstStyle/>
-          <a:p>
-            <a:pPr marL="0" marR="0" lvl="0" indent="0" algn="r" rtl="0">
-              <a:lnSpc>
-                <a:spcPct val="140016"/>
-              </a:lnSpc>
-              <a:spcBef>
-                <a:spcPts val="0"/>
-              </a:spcBef>
-              <a:spcAft>
-                <a:spcPts val="0"/>
-              </a:spcAft>
-              <a:buNone/>
-            </a:pPr>
-            <a:r>
-              <a:rPr lang="en-US" sz="2499">
-                <a:solidFill>
-                  <a:srgbClr val="F8F7F0"/>
-                </a:solidFill>
-                <a:latin typeface="Open Sans"/>
-                <a:ea typeface="Open Sans"/>
-                <a:cs typeface="Open Sans"/>
-                <a:sym typeface="Open Sans"/>
-              </a:rPr>
-              <a:t>2</a:t>
-            </a:r>
-            <a:endParaRPr/>
-          </a:p>
-        </p:txBody>
-      </p:sp>
-      <p:sp>
-        <p:nvSpPr>
-          <p:cNvPr id="34" name="Google Shape;135;p3">
-            <a:extLst>
-              <a:ext uri="{FF2B5EF4-FFF2-40B4-BE49-F238E27FC236}">
-                <a16:creationId xmlns:a16="http://schemas.microsoft.com/office/drawing/2014/main" id="{FC8A295F-3240-4CA2-93A0-FF107B713972}"/>
-              </a:ext>
-            </a:extLst>
-          </p:cNvPr>
-          <p:cNvSpPr txBox="1"/>
-          <p:nvPr/>
-        </p:nvSpPr>
-        <p:spPr>
-          <a:xfrm>
-            <a:off x="1066800" y="664782"/>
-            <a:ext cx="12687299" cy="1476110"/>
-          </a:xfrm>
-          <a:prstGeom prst="rect">
-            <a:avLst/>
-          </a:prstGeom>
-          <a:noFill/>
-          <a:ln>
-            <a:noFill/>
-          </a:ln>
-        </p:spPr>
-        <p:txBody>
-          <a:bodyPr spcFirstLastPara="1" wrap="square" lIns="0" tIns="0" rIns="0" bIns="0" anchor="t" anchorCtr="0">
-            <a:spAutoFit/>
-          </a:bodyPr>
-          <a:lstStyle/>
-          <a:p>
-            <a:pPr lvl="0">
-              <a:lnSpc>
-                <a:spcPct val="218409"/>
-              </a:lnSpc>
-            </a:pPr>
-            <a:r>
-              <a:rPr lang="vi-VN" sz="4400" b="1">
-                <a:solidFill>
-                  <a:schemeClr val="dk1"/>
-                </a:solidFill>
-                <a:latin typeface="Open Sans"/>
-                <a:ea typeface="Open Sans"/>
-                <a:cs typeface="Open Sans"/>
-                <a:sym typeface="Open Sans"/>
-              </a:rPr>
-              <a:t>2. </a:t>
-            </a:r>
-            <a:r>
-              <a:rPr lang="en-US" sz="4400" b="1">
-                <a:solidFill>
-                  <a:schemeClr val="dk1"/>
-                </a:solidFill>
-                <a:latin typeface="Open Sans"/>
-                <a:ea typeface="Open Sans"/>
-                <a:cs typeface="Open Sans"/>
-                <a:sym typeface="Open Sans"/>
-              </a:rPr>
-              <a:t>Mục tiêu nghiên cứu</a:t>
-            </a:r>
-            <a:endParaRPr lang="vi-VN" sz="4400" b="1">
-              <a:solidFill>
-                <a:schemeClr val="dk1"/>
-              </a:solidFill>
-              <a:latin typeface="Open Sans"/>
-              <a:ea typeface="Open Sans"/>
-              <a:cs typeface="Open Sans"/>
-              <a:sym typeface="Open Sans"/>
-            </a:endParaRPr>
-          </a:p>
-        </p:txBody>
-      </p:sp>
-      <p:sp>
-        <p:nvSpPr>
-          <p:cNvPr id="2" name="Rectangle 1">
-            <a:extLst>
-              <a:ext uri="{FF2B5EF4-FFF2-40B4-BE49-F238E27FC236}">
-                <a16:creationId xmlns:a16="http://schemas.microsoft.com/office/drawing/2014/main" id="{B056211F-3503-44A4-A389-F1C9D3D2652F}"/>
-              </a:ext>
-            </a:extLst>
-          </p:cNvPr>
-          <p:cNvSpPr/>
-          <p:nvPr/>
-        </p:nvSpPr>
-        <p:spPr>
-          <a:xfrm>
-            <a:off x="1066800" y="2620620"/>
-            <a:ext cx="11276123" cy="2180340"/>
-          </a:xfrm>
-          <a:prstGeom prst="rect">
-            <a:avLst/>
-          </a:prstGeom>
-        </p:spPr>
-        <p:txBody>
-          <a:bodyPr wrap="square">
-            <a:spAutoFit/>
-          </a:bodyPr>
-          <a:lstStyle/>
-          <a:p>
-            <a:pPr lvl="0">
-              <a:lnSpc>
-                <a:spcPct val="135000"/>
-              </a:lnSpc>
-              <a:spcBef>
-                <a:spcPts val="600"/>
-              </a:spcBef>
-              <a:spcAft>
-                <a:spcPts val="600"/>
-              </a:spcAft>
-              <a:buSzPts val="1000"/>
-              <a:tabLst>
-                <a:tab pos="457200" algn="l"/>
-              </a:tabLst>
-            </a:pPr>
-            <a:r>
-              <a:rPr lang="vi-VN" sz="3200" b="1">
-                <a:latin typeface="Open Sans" panose="020B0604020202020204" charset="0"/>
-                <a:ea typeface="Open Sans" panose="020B0604020202020204" charset="0"/>
-                <a:cs typeface="Open Sans" panose="020B0604020202020204" charset="0"/>
-              </a:rPr>
-              <a:t>•	Xây dựng hệ thống học máy phân biệt động đất và nhiễu từ dữ liệu cảm biến gia tốc.</a:t>
-            </a:r>
-          </a:p>
-          <a:p>
-            <a:pPr lvl="0">
-              <a:lnSpc>
-                <a:spcPct val="135000"/>
-              </a:lnSpc>
-              <a:spcBef>
-                <a:spcPts val="600"/>
-              </a:spcBef>
-              <a:spcAft>
-                <a:spcPts val="600"/>
-              </a:spcAft>
-              <a:buSzPts val="1000"/>
-              <a:tabLst>
-                <a:tab pos="457200" algn="l"/>
-              </a:tabLst>
-            </a:pPr>
-            <a:r>
-              <a:rPr lang="vi-VN" sz="3200" b="1">
-                <a:latin typeface="Open Sans" panose="020B0604020202020204" charset="0"/>
-                <a:ea typeface="Open Sans" panose="020B0604020202020204" charset="0"/>
-                <a:cs typeface="Open Sans" panose="020B0604020202020204" charset="0"/>
-              </a:rPr>
-              <a:t>•	Triển khai giao diện thử nghiệm cho người dùng.</a:t>
-            </a:r>
-          </a:p>
-        </p:txBody>
-      </p:sp>
-      <p:grpSp>
-        <p:nvGrpSpPr>
-          <p:cNvPr id="12" name="Group 11">
-            <a:extLst>
-              <a:ext uri="{FF2B5EF4-FFF2-40B4-BE49-F238E27FC236}">
-                <a16:creationId xmlns:a16="http://schemas.microsoft.com/office/drawing/2014/main" id="{C85E1AFB-8948-44E8-9CFE-8D9417F2A1A0}"/>
-              </a:ext>
-            </a:extLst>
-          </p:cNvPr>
-          <p:cNvGrpSpPr/>
-          <p:nvPr/>
-        </p:nvGrpSpPr>
-        <p:grpSpPr>
-          <a:xfrm>
-            <a:off x="11387579" y="593804"/>
-            <a:ext cx="5866958" cy="958188"/>
-            <a:chOff x="6266597" y="444822"/>
-            <a:chExt cx="5866958" cy="958188"/>
-          </a:xfrm>
-        </p:grpSpPr>
-        <p:pic>
-          <p:nvPicPr>
-            <p:cNvPr id="13" name="Picture 2" descr="Trường Đại học Công nghệ, Đại học Quốc gia Hà Nội – Wikipedia tiếng Việt">
-              <a:extLst>
-                <a:ext uri="{FF2B5EF4-FFF2-40B4-BE49-F238E27FC236}">
-                  <a16:creationId xmlns:a16="http://schemas.microsoft.com/office/drawing/2014/main" id="{00D3D9C4-CAFA-489D-A31D-892862C3F075}"/>
-                </a:ext>
-              </a:extLst>
-            </p:cNvPr>
-            <p:cNvPicPr>
-              <a:picLocks noChangeAspect="1" noChangeArrowheads="1"/>
-            </p:cNvPicPr>
-            <p:nvPr/>
-          </p:nvPicPr>
-          <p:blipFill>
-            <a:blip r:embed="rId3">
-              <a:extLst>
-                <a:ext uri="{28A0092B-C50C-407E-A947-70E740481C1C}">
-                  <a14:useLocalDpi xmlns:a14="http://schemas.microsoft.com/office/drawing/2010/main" val="0"/>
-                </a:ext>
-              </a:extLst>
-            </a:blip>
-            <a:srcRect/>
-            <a:stretch>
-              <a:fillRect/>
-            </a:stretch>
-          </p:blipFill>
-          <p:spPr bwMode="auto">
-            <a:xfrm>
-              <a:off x="6266597" y="447666"/>
-              <a:ext cx="955344" cy="955344"/>
-            </a:xfrm>
-            <a:prstGeom prst="rect">
-              <a:avLst/>
-            </a:prstGeom>
-            <a:noFill/>
-            <a:extLst>
-              <a:ext uri="{909E8E84-426E-40DD-AFC4-6F175D3DCCD1}">
-                <a14:hiddenFill xmlns:a14="http://schemas.microsoft.com/office/drawing/2010/main">
-                  <a:solidFill>
-                    <a:srgbClr val="FFFFFF"/>
-                  </a:solidFill>
-                </a14:hiddenFill>
-              </a:ext>
-            </a:extLst>
-          </p:spPr>
-        </p:pic>
-        <p:sp>
-          <p:nvSpPr>
-            <p:cNvPr id="14" name="TextBox 13">
-              <a:extLst>
-                <a:ext uri="{FF2B5EF4-FFF2-40B4-BE49-F238E27FC236}">
-                  <a16:creationId xmlns:a16="http://schemas.microsoft.com/office/drawing/2014/main" id="{4FB30544-E583-4F40-8CE8-E95DB24947E6}"/>
-                </a:ext>
-              </a:extLst>
-            </p:cNvPr>
-            <p:cNvSpPr txBox="1"/>
-            <p:nvPr/>
-          </p:nvSpPr>
-          <p:spPr>
-            <a:xfrm>
-              <a:off x="6995614" y="444822"/>
-              <a:ext cx="5137941" cy="916405"/>
-            </a:xfrm>
-            <a:prstGeom prst="rect">
-              <a:avLst/>
-            </a:prstGeom>
-            <a:noFill/>
-          </p:spPr>
-          <p:txBody>
-            <a:bodyPr wrap="square" rtlCol="0">
-              <a:spAutoFit/>
-            </a:bodyPr>
-            <a:lstStyle/>
-            <a:p>
-              <a:pPr algn="ctr">
-                <a:lnSpc>
-                  <a:spcPct val="130000"/>
-                </a:lnSpc>
-              </a:pPr>
-              <a:r>
-                <a:rPr lang="en-US" b="1">
-                  <a:solidFill>
-                    <a:srgbClr val="00477F"/>
-                  </a:solidFill>
-                  <a:latin typeface="#9Slide03 Montserrat Medium" panose="00000600000000000000" pitchFamily="2" charset="0"/>
-                </a:rPr>
-                <a:t>TR</a:t>
-              </a:r>
-              <a:r>
-                <a:rPr lang="vi-VN" b="1">
-                  <a:solidFill>
-                    <a:srgbClr val="00477F"/>
-                  </a:solidFill>
-                  <a:latin typeface="#9Slide03 Montserrat Medium" panose="00000600000000000000" pitchFamily="2" charset="0"/>
-                </a:rPr>
-                <a:t>Ư</a:t>
-              </a:r>
-              <a:r>
-                <a:rPr lang="en-US" b="1">
-                  <a:solidFill>
-                    <a:srgbClr val="00477F"/>
-                  </a:solidFill>
-                  <a:latin typeface="#9Slide03 Montserrat Medium" panose="00000600000000000000" pitchFamily="2" charset="0"/>
-                </a:rPr>
-                <a:t>ỜNG ĐẠI HỌC CÔNG NGHỆ</a:t>
-              </a:r>
-            </a:p>
-            <a:p>
-              <a:pPr algn="ctr">
-                <a:lnSpc>
-                  <a:spcPct val="130000"/>
-                </a:lnSpc>
-              </a:pPr>
-              <a:r>
-                <a:rPr lang="en-US" b="1">
-                  <a:solidFill>
-                    <a:srgbClr val="00477F"/>
-                  </a:solidFill>
-                  <a:latin typeface="#9Slide03 Montserrat Medium" panose="00000600000000000000" pitchFamily="2" charset="0"/>
-                </a:rPr>
-                <a:t>ĐẠI HỌC QUỐC GIA HÀ NỘI</a:t>
-              </a:r>
-            </a:p>
-            <a:p>
-              <a:pPr algn="ctr">
-                <a:lnSpc>
-                  <a:spcPct val="130000"/>
-                </a:lnSpc>
-              </a:pPr>
-              <a:r>
-                <a:rPr lang="en-US" b="1">
-                  <a:latin typeface="#9Slide03 Montserrat Light" panose="00000400000000000000" pitchFamily="2" charset="0"/>
-                </a:rPr>
-                <a:t>VNU UNIVERSITY OF ENGINEERING &amp; TECHNOLOGY</a:t>
-              </a:r>
-            </a:p>
-          </p:txBody>
-        </p:sp>
-      </p:grpSp>
-    </p:spTree>
-    <p:extLst>
-      <p:ext uri="{BB962C8B-B14F-4D97-AF65-F5344CB8AC3E}">
-        <p14:creationId xmlns:p14="http://schemas.microsoft.com/office/powerpoint/2010/main" val="2337313142"/>
-      </p:ext>
-    </p:extLst>
-  </p:cSld>
-  <p:clrMapOvr>
-    <a:masterClrMapping/>
-  </p:clrMapOvr>
-  <mc:AlternateContent xmlns:mc="http://schemas.openxmlformats.org/markup-compatibility/2006" xmlns:p159="http://schemas.microsoft.com/office/powerpoint/2015/09/main">
-    <mc:Choice Requires="p159">
-      <p:transition xmlns:p14="http://schemas.microsoft.com/office/powerpoint/2010/main" spd="slow" p14:dur="2000">
-        <p159:morph option="byObject"/>
-      </p:transition>
-    </mc:Choice>
-    <mc:Fallback xmlns="">
-      <p:transition spd="slow">
-        <p:fade/>
-      </p:transition>
-    </mc:Fallback>
-  </mc:AlternateContent>
-</p:sld>
-</file>
-
-<file path=ppt/slides/slide11.xml><?xml version="1.0" encoding="utf-8"?>
 <p:sld xmlns:a="http://schemas.openxmlformats.org/drawingml/2006/main" xmlns:r="http://schemas.openxmlformats.org/officeDocument/2006/relationships" xmlns:p="http://schemas.openxmlformats.org/presentationml/2006/main">
   <p:cSld>
     <p:spTree>
@@ -15897,8 +15216,8 @@
         </p:nvSpPr>
         <p:spPr>
           <a:xfrm>
-            <a:off x="1066800" y="689052"/>
-            <a:ext cx="12687299" cy="1476110"/>
+            <a:off x="1066801" y="495840"/>
+            <a:ext cx="5675194" cy="1476110"/>
           </a:xfrm>
           <a:prstGeom prst="rect">
             <a:avLst/>
@@ -15922,7 +15241,7 @@
             <a:r>
               <a:rPr lang="vi-VN" sz="4400" b="1">
                 <a:solidFill>
-                  <a:schemeClr val="dk1"/>
+                  <a:schemeClr val="bg2"/>
                 </a:solidFill>
                 <a:latin typeface="Open Sans"/>
                 <a:ea typeface="Open Sans"/>
@@ -15934,7 +15253,7 @@
             <a:r>
               <a:rPr lang="en-US" sz="4400" b="1">
                 <a:solidFill>
-                  <a:schemeClr val="dk1"/>
+                  <a:schemeClr val="bg2"/>
                 </a:solidFill>
                 <a:latin typeface="Open Sans"/>
                 <a:ea typeface="Open Sans"/>
@@ -15945,7 +15264,7 @@
             </a:r>
             <a:endParaRPr lang="vi-VN" sz="4400" b="1">
               <a:solidFill>
-                <a:schemeClr val="dk1"/>
+                <a:schemeClr val="bg2"/>
               </a:solidFill>
               <a:latin typeface="Open Sans"/>
               <a:ea typeface="Open Sans"/>
@@ -16301,7 +15620,7 @@
 </p:sld>
 </file>
 
-<file path=ppt/slides/slide12.xml><?xml version="1.0" encoding="utf-8"?>
+<file path=ppt/slides/slide11.xml><?xml version="1.0" encoding="utf-8"?>
 <p:sld xmlns:a="http://schemas.openxmlformats.org/drawingml/2006/main" xmlns:r="http://schemas.openxmlformats.org/officeDocument/2006/relationships" xmlns:p="http://schemas.openxmlformats.org/presentationml/2006/main">
   <p:cSld>
     <p:spTree>
@@ -16575,7 +15894,7 @@
             <a:r>
               <a:rPr lang="en-US" sz="4400" b="1">
                 <a:solidFill>
-                  <a:schemeClr val="dk1"/>
+                  <a:schemeClr val="bg2"/>
                 </a:solidFill>
                 <a:latin typeface="Open Sans"/>
                 <a:ea typeface="Open Sans"/>
@@ -16586,7 +15905,7 @@
             </a:r>
             <a:endParaRPr lang="vi-VN" sz="4400" b="1">
               <a:solidFill>
-                <a:schemeClr val="dk1"/>
+                <a:schemeClr val="bg2"/>
               </a:solidFill>
               <a:latin typeface="Open Sans"/>
               <a:ea typeface="Open Sans"/>
@@ -16610,8 +15929,8 @@
         </p:nvSpPr>
         <p:spPr>
           <a:xfrm>
-            <a:off x="1028700" y="2406721"/>
-            <a:ext cx="12366024" cy="687111"/>
+            <a:off x="1028700" y="2594071"/>
+            <a:ext cx="3079276" cy="687111"/>
           </a:xfrm>
           <a:prstGeom prst="rect">
             <a:avLst/>
@@ -16623,7 +15942,7 @@
           </a:bodyPr>
           <a:lstStyle/>
           <a:p>
-            <a:pPr marL="457200" lvl="0" indent="-457200">
+            <a:pPr lvl="0">
               <a:lnSpc>
                 <a:spcPct val="135000"/>
               </a:lnSpc>
@@ -16634,15 +15953,12 @@
                 <a:spcPts val="600"/>
               </a:spcAft>
               <a:buSzPts val="1000"/>
-              <a:buFont typeface="Wingdings" panose="05000000000000000000" pitchFamily="2" charset="2"/>
-              <a:buChar char="q"/>
               <a:tabLst>
                 <a:tab pos="457200" algn="l"/>
               </a:tabLst>
             </a:pPr>
             <a:r>
               <a:rPr lang="en-US" sz="3200">
-                <a:effectLst/>
                 <a:latin typeface="Times New Roman" panose="02020603050405020304" pitchFamily="18" charset="0"/>
                 <a:ea typeface="Calibri" panose="020F0502020204030204" pitchFamily="34" charset="0"/>
                 <a:cs typeface="Times New Roman" panose="02020603050405020304" pitchFamily="18" charset="0"/>
@@ -16651,7 +15967,6 @@
             </a:r>
             <a:r>
               <a:rPr lang="vi-VN" sz="3200">
-                <a:effectLst/>
                 <a:latin typeface="Times New Roman" panose="02020603050405020304" pitchFamily="18" charset="0"/>
                 <a:ea typeface="Calibri" panose="020F0502020204030204" pitchFamily="34" charset="0"/>
                 <a:cs typeface="Times New Roman" panose="02020603050405020304" pitchFamily="18" charset="0"/>
@@ -16660,7 +15975,6 @@
             </a:r>
             <a:r>
               <a:rPr lang="en-US" sz="3200">
-                <a:effectLst/>
                 <a:latin typeface="Times New Roman" panose="02020603050405020304" pitchFamily="18" charset="0"/>
                 <a:ea typeface="Calibri" panose="020F0502020204030204" pitchFamily="34" charset="0"/>
                 <a:cs typeface="Times New Roman" panose="02020603050405020304" pitchFamily="18" charset="0"/>
@@ -16857,7 +16171,7 @@
         </p:blipFill>
         <p:spPr bwMode="auto">
           <a:xfrm>
-            <a:off x="386299" y="3539203"/>
+            <a:off x="386299" y="3812160"/>
             <a:ext cx="17515402" cy="3813822"/>
           </a:xfrm>
           <a:prstGeom prst="rect">
@@ -16894,7 +16208,7 @@
 </p:sld>
 </file>
 
-<file path=ppt/slides/slide13.xml><?xml version="1.0" encoding="utf-8"?>
+<file path=ppt/slides/slide12.xml><?xml version="1.0" encoding="utf-8"?>
 <p:sld xmlns:a="http://schemas.openxmlformats.org/drawingml/2006/main" xmlns:r="http://schemas.openxmlformats.org/officeDocument/2006/relationships" xmlns:p="http://schemas.openxmlformats.org/presentationml/2006/main">
   <p:cSld>
     <p:spTree>
@@ -17144,7 +16458,7 @@
         <p:spPr>
           <a:xfrm>
             <a:off x="1028700" y="642064"/>
-            <a:ext cx="12687299" cy="968278"/>
+            <a:ext cx="7050775" cy="968278"/>
           </a:xfrm>
           <a:prstGeom prst="rect">
             <a:avLst/>
@@ -17168,7 +16482,7 @@
             <a:r>
               <a:rPr lang="en-US" sz="4400" b="1">
                 <a:solidFill>
-                  <a:schemeClr val="dk1"/>
+                  <a:schemeClr val="bg2"/>
                 </a:solidFill>
                 <a:latin typeface="Open Sans"/>
                 <a:ea typeface="Open Sans"/>
@@ -17180,7 +16494,7 @@
             <a:r>
               <a:rPr lang="vi-VN" sz="4400" b="1">
                 <a:solidFill>
-                  <a:schemeClr val="dk1"/>
+                  <a:schemeClr val="bg2"/>
                 </a:solidFill>
                 <a:latin typeface="Open Sans"/>
                 <a:ea typeface="Open Sans"/>
@@ -17206,8 +16520,8 @@
         </p:nvSpPr>
         <p:spPr>
           <a:xfrm>
-            <a:off x="1028700" y="3090368"/>
-            <a:ext cx="5452311" cy="1686808"/>
+            <a:off x="1028700" y="2382152"/>
+            <a:ext cx="8743097" cy="2495876"/>
           </a:xfrm>
           <a:prstGeom prst="rect">
             <a:avLst/>
@@ -17219,7 +16533,7 @@
           </a:bodyPr>
           <a:lstStyle/>
           <a:p>
-            <a:pPr>
+            <a:pPr marL="285750" indent="-457200">
               <a:lnSpc>
                 <a:spcPct val="135000"/>
               </a:lnSpc>
@@ -17229,18 +16543,20 @@
               <a:spcAft>
                 <a:spcPts val="600"/>
               </a:spcAft>
+              <a:buFont typeface="Wingdings" panose="05000000000000000000" pitchFamily="2" charset="2"/>
+              <a:buChar char="q"/>
             </a:pPr>
             <a:r>
-              <a:rPr lang="en-US" b="1">
+              <a:rPr lang="en-US" sz="2400" b="1">
                 <a:latin typeface="Times New Roman" panose="02020603050405020304" pitchFamily="18" charset="0"/>
                 <a:ea typeface="Times New Roman" panose="02020603050405020304" pitchFamily="18" charset="0"/>
                 <a:cs typeface="Times New Roman" panose="02020603050405020304" pitchFamily="18" charset="0"/>
               </a:rPr>
-              <a:t>•	Bộ dữ liệu K-NET (Nhật Bản)</a:t>
+              <a:t>Bộ dữ liệu K-NET (Nhật Bản) (EW, NS, UD)</a:t>
             </a:r>
           </a:p>
           <a:p>
-            <a:pPr>
+            <a:pPr marL="285750" indent="-457200">
               <a:lnSpc>
                 <a:spcPct val="135000"/>
               </a:lnSpc>
@@ -17250,18 +16566,20 @@
               <a:spcAft>
                 <a:spcPts val="600"/>
               </a:spcAft>
+              <a:buFont typeface="Wingdings" panose="05000000000000000000" pitchFamily="2" charset="2"/>
+              <a:buChar char="q"/>
             </a:pPr>
             <a:r>
-              <a:rPr lang="en-US" b="1">
+              <a:rPr lang="en-US" sz="2400" b="1">
                 <a:latin typeface="Times New Roman" panose="02020603050405020304" pitchFamily="18" charset="0"/>
                 <a:ea typeface="Times New Roman" panose="02020603050405020304" pitchFamily="18" charset="0"/>
                 <a:cs typeface="Times New Roman" panose="02020603050405020304" pitchFamily="18" charset="0"/>
               </a:rPr>
-              <a:t>•	Bộ dữ liệu Italy</a:t>
+              <a:t>Bộ dữ liệu Italy (DN1, DN2, DNZ)</a:t>
             </a:r>
           </a:p>
           <a:p>
-            <a:pPr>
+            <a:pPr marL="285750" indent="-457200">
               <a:lnSpc>
                 <a:spcPct val="135000"/>
               </a:lnSpc>
@@ -17271,18 +16589,20 @@
               <a:spcAft>
                 <a:spcPts val="600"/>
               </a:spcAft>
+              <a:buFont typeface="Wingdings" panose="05000000000000000000" pitchFamily="2" charset="2"/>
+              <a:buChar char="q"/>
             </a:pPr>
             <a:r>
-              <a:rPr lang="en-US" b="1">
+              <a:rPr lang="en-US" sz="2400" b="1">
                 <a:latin typeface="Times New Roman" panose="02020603050405020304" pitchFamily="18" charset="0"/>
                 <a:ea typeface="Times New Roman" panose="02020603050405020304" pitchFamily="18" charset="0"/>
                 <a:cs typeface="Times New Roman" panose="02020603050405020304" pitchFamily="18" charset="0"/>
               </a:rPr>
-              <a:t>•	Bao gồm tín hiệu EQ (động đất) và Noise (nhiễu).</a:t>
+              <a:t>Bao gồm tín hiệu EQ và Noise.</a:t>
             </a:r>
           </a:p>
           <a:p>
-            <a:pPr>
+            <a:pPr marL="285750" indent="-457200">
               <a:lnSpc>
                 <a:spcPct val="135000"/>
               </a:lnSpc>
@@ -17292,14 +16612,16 @@
               <a:spcAft>
                 <a:spcPts val="600"/>
               </a:spcAft>
+              <a:buFont typeface="Wingdings" panose="05000000000000000000" pitchFamily="2" charset="2"/>
+              <a:buChar char="q"/>
             </a:pPr>
             <a:r>
-              <a:rPr lang="en-US" b="1">
+              <a:rPr lang="en-US" sz="2400" b="1">
                 <a:latin typeface="Times New Roman" panose="02020603050405020304" pitchFamily="18" charset="0"/>
                 <a:ea typeface="Times New Roman" panose="02020603050405020304" pitchFamily="18" charset="0"/>
                 <a:cs typeface="Times New Roman" panose="02020603050405020304" pitchFamily="18" charset="0"/>
               </a:rPr>
-              <a:t>•	Dữ liệu gia tốc 3 trục: X, Y, Z, sampling rate 100Hz.</a:t>
+              <a:t>Dữ liệu gia tốc 3 trục: X, Y và Z với sampling rate 100Hz.</a:t>
             </a:r>
           </a:p>
         </p:txBody>
@@ -17519,7 +16841,7 @@
 </p:sld>
 </file>
 
-<file path=ppt/slides/slide14.xml><?xml version="1.0" encoding="utf-8"?>
+<file path=ppt/slides/slide13.xml><?xml version="1.0" encoding="utf-8"?>
 <p:sld xmlns:a="http://schemas.openxmlformats.org/drawingml/2006/main" xmlns:r="http://schemas.openxmlformats.org/officeDocument/2006/relationships" xmlns:p="http://schemas.openxmlformats.org/presentationml/2006/main">
   <p:cSld>
     <p:spTree>
@@ -17768,8 +17090,8 @@
         </p:nvSpPr>
         <p:spPr>
           <a:xfrm>
-            <a:off x="1028700" y="642064"/>
-            <a:ext cx="12687299" cy="968278"/>
+            <a:off x="1028701" y="642064"/>
+            <a:ext cx="6614046" cy="968278"/>
           </a:xfrm>
           <a:prstGeom prst="rect">
             <a:avLst/>
@@ -17793,7 +17115,7 @@
             <a:r>
               <a:rPr lang="en-US" sz="4400" b="1">
                 <a:solidFill>
-                  <a:schemeClr val="dk1"/>
+                  <a:schemeClr val="bg2"/>
                 </a:solidFill>
                 <a:latin typeface="Open Sans"/>
                 <a:ea typeface="Open Sans"/>
@@ -17805,7 +17127,7 @@
             <a:r>
               <a:rPr lang="vi-VN" sz="4400" b="1">
                 <a:solidFill>
-                  <a:schemeClr val="dk1"/>
+                  <a:schemeClr val="bg2"/>
                 </a:solidFill>
                 <a:latin typeface="Open Sans"/>
                 <a:ea typeface="Open Sans"/>
@@ -18146,7 +17468,7 @@
 </p:sld>
 </file>
 
-<file path=ppt/slides/slide15.xml><?xml version="1.0" encoding="utf-8"?>
+<file path=ppt/slides/slide14.xml><?xml version="1.0" encoding="utf-8"?>
 <p:sld xmlns:a="http://schemas.openxmlformats.org/drawingml/2006/main" xmlns:r="http://schemas.openxmlformats.org/officeDocument/2006/relationships" xmlns:p="http://schemas.openxmlformats.org/presentationml/2006/main">
   <p:cSld>
     <p:spTree>
@@ -18396,7 +17718,7 @@
         <p:spPr>
           <a:xfrm>
             <a:off x="1028700" y="642064"/>
-            <a:ext cx="12687299" cy="968278"/>
+            <a:ext cx="6136375" cy="968278"/>
           </a:xfrm>
           <a:prstGeom prst="rect">
             <a:avLst/>
@@ -18420,7 +17742,7 @@
             <a:r>
               <a:rPr lang="en-US" sz="4400" b="1">
                 <a:solidFill>
-                  <a:schemeClr val="dk1"/>
+                  <a:schemeClr val="bg2"/>
                 </a:solidFill>
                 <a:latin typeface="Open Sans"/>
                 <a:ea typeface="Open Sans"/>
@@ -18432,7 +17754,7 @@
             <a:r>
               <a:rPr lang="vi-VN" sz="4400" b="1">
                 <a:solidFill>
-                  <a:schemeClr val="dk1"/>
+                  <a:schemeClr val="bg2"/>
                 </a:solidFill>
                 <a:latin typeface="Open Sans"/>
                 <a:ea typeface="Open Sans"/>
@@ -18707,7 +18029,7 @@
 </p:sld>
 </file>
 
-<file path=ppt/slides/slide16.xml><?xml version="1.0" encoding="utf-8"?>
+<file path=ppt/slides/slide15.xml><?xml version="1.0" encoding="utf-8"?>
 <p:sld xmlns:a="http://schemas.openxmlformats.org/drawingml/2006/main" xmlns:r="http://schemas.openxmlformats.org/officeDocument/2006/relationships" xmlns:p="http://schemas.openxmlformats.org/presentationml/2006/main">
   <p:cSld>
     <p:spTree>
@@ -19268,7 +18590,7 @@
 </p:sld>
 </file>
 
-<file path=ppt/slides/slide17.xml><?xml version="1.0" encoding="utf-8"?>
+<file path=ppt/slides/slide16.xml><?xml version="1.0" encoding="utf-8"?>
 <p:sld xmlns:a="http://schemas.openxmlformats.org/drawingml/2006/main" xmlns:r="http://schemas.openxmlformats.org/officeDocument/2006/relationships" xmlns:p="http://schemas.openxmlformats.org/presentationml/2006/main">
   <p:cSld>
     <p:spTree>
@@ -19893,7 +19215,7 @@
 </p:sld>
 </file>
 
-<file path=ppt/slides/slide18.xml><?xml version="1.0" encoding="utf-8"?>
+<file path=ppt/slides/slide17.xml><?xml version="1.0" encoding="utf-8"?>
 <p:sld xmlns:a="http://schemas.openxmlformats.org/drawingml/2006/main" xmlns:r="http://schemas.openxmlformats.org/officeDocument/2006/relationships" xmlns:p="http://schemas.openxmlformats.org/presentationml/2006/main">
   <p:cSld>
     <p:spTree>
@@ -20518,7 +19840,7 @@
 </p:sld>
 </file>
 
-<file path=ppt/slides/slide19.xml><?xml version="1.0" encoding="utf-8"?>
+<file path=ppt/slides/slide18.xml><?xml version="1.0" encoding="utf-8"?>
 <p:sld xmlns:a="http://schemas.openxmlformats.org/drawingml/2006/main" xmlns:r="http://schemas.openxmlformats.org/officeDocument/2006/relationships" xmlns:p="http://schemas.openxmlformats.org/presentationml/2006/main">
   <p:cSld>
     <p:spTree>
@@ -21143,491 +20465,7 @@
 </p:sld>
 </file>
 
-<file path=ppt/slides/slide2.xml><?xml version="1.0" encoding="utf-8"?>
-<p:sld xmlns:a="http://schemas.openxmlformats.org/drawingml/2006/main" xmlns:r="http://schemas.openxmlformats.org/officeDocument/2006/relationships" xmlns:p="http://schemas.openxmlformats.org/presentationml/2006/main">
-  <p:cSld>
-    <p:spTree>
-      <p:nvGrpSpPr>
-        <p:cNvPr id="1" name="Shape 99"/>
-        <p:cNvGrpSpPr/>
-        <p:nvPr/>
-      </p:nvGrpSpPr>
-      <p:grpSpPr>
-        <a:xfrm>
-          <a:off x="0" y="0"/>
-          <a:ext cx="0" cy="0"/>
-          <a:chOff x="0" y="0"/>
-          <a:chExt cx="0" cy="0"/>
-        </a:xfrm>
-      </p:grpSpPr>
-      <p:sp>
-        <p:nvSpPr>
-          <p:cNvPr id="100" name="Google Shape;100;p2"/>
-          <p:cNvSpPr/>
-          <p:nvPr/>
-        </p:nvSpPr>
-        <p:spPr>
-          <a:xfrm>
-            <a:off x="-44587" y="-1"/>
-            <a:ext cx="18288000" cy="10287000"/>
-          </a:xfrm>
-          <a:custGeom>
-            <a:avLst/>
-            <a:gdLst/>
-            <a:ahLst/>
-            <a:cxnLst/>
-            <a:rect l="l" t="t" r="r" b="b"/>
-            <a:pathLst>
-              <a:path w="18288000" h="10287000" extrusionOk="0">
-                <a:moveTo>
-                  <a:pt x="0" y="0"/>
-                </a:moveTo>
-                <a:lnTo>
-                  <a:pt x="18288000" y="0"/>
-                </a:lnTo>
-                <a:lnTo>
-                  <a:pt x="18288000" y="10287000"/>
-                </a:lnTo>
-                <a:lnTo>
-                  <a:pt x="0" y="10287000"/>
-                </a:lnTo>
-                <a:lnTo>
-                  <a:pt x="0" y="0"/>
-                </a:lnTo>
-                <a:close/>
-              </a:path>
-            </a:pathLst>
-          </a:custGeom>
-          <a:blipFill rotWithShape="1">
-            <a:blip r:embed="rId3">
-              <a:alphaModFix/>
-            </a:blip>
-            <a:stretch>
-              <a:fillRect/>
-            </a:stretch>
-          </a:blipFill>
-          <a:ln>
-            <a:noFill/>
-          </a:ln>
-        </p:spPr>
-        <p:txBody>
-          <a:bodyPr/>
-          <a:lstStyle/>
-          <a:p>
-            <a:endParaRPr lang="en-US" dirty="0"/>
-          </a:p>
-        </p:txBody>
-      </p:sp>
-      <p:sp>
-        <p:nvSpPr>
-          <p:cNvPr id="101" name="Google Shape;101;p2"/>
-          <p:cNvSpPr txBox="1"/>
-          <p:nvPr/>
-        </p:nvSpPr>
-        <p:spPr>
-          <a:xfrm>
-            <a:off x="8054566" y="2882701"/>
-            <a:ext cx="2178868" cy="726802"/>
-          </a:xfrm>
-          <a:prstGeom prst="rect">
-            <a:avLst/>
-          </a:prstGeom>
-          <a:noFill/>
-          <a:ln>
-            <a:noFill/>
-          </a:ln>
-        </p:spPr>
-        <p:txBody>
-          <a:bodyPr spcFirstLastPara="1" wrap="square" lIns="0" tIns="0" rIns="0" bIns="0" anchor="t" anchorCtr="0">
-            <a:spAutoFit/>
-          </a:bodyPr>
-          <a:lstStyle/>
-          <a:p>
-            <a:pPr marL="0" marR="0" lvl="0" indent="0" algn="ctr" rtl="0">
-              <a:lnSpc>
-                <a:spcPct val="126041"/>
-              </a:lnSpc>
-              <a:spcBef>
-                <a:spcPts val="0"/>
-              </a:spcBef>
-              <a:spcAft>
-                <a:spcPts val="0"/>
-              </a:spcAft>
-              <a:buNone/>
-            </a:pPr>
-            <a:r>
-              <a:rPr lang="en-US" sz="4800" b="1" dirty="0">
-                <a:solidFill>
-                  <a:srgbClr val="3B6492"/>
-                </a:solidFill>
-                <a:latin typeface="Arial"/>
-                <a:ea typeface="Arial"/>
-                <a:cs typeface="Arial"/>
-                <a:sym typeface="Arial"/>
-              </a:rPr>
-              <a:t>ĐỀ TÀI</a:t>
-            </a:r>
-            <a:endParaRPr dirty="0"/>
-          </a:p>
-        </p:txBody>
-      </p:sp>
-      <p:sp>
-        <p:nvSpPr>
-          <p:cNvPr id="102" name="Google Shape;102;p2"/>
-          <p:cNvSpPr txBox="1"/>
-          <p:nvPr/>
-        </p:nvSpPr>
-        <p:spPr>
-          <a:xfrm>
-            <a:off x="-44587" y="4342486"/>
-            <a:ext cx="18288001" cy="2492990"/>
-          </a:xfrm>
-          <a:prstGeom prst="rect">
-            <a:avLst/>
-          </a:prstGeom>
-          <a:noFill/>
-          <a:ln>
-            <a:noFill/>
-          </a:ln>
-        </p:spPr>
-        <p:txBody>
-          <a:bodyPr spcFirstLastPara="1" wrap="square" lIns="0" tIns="0" rIns="0" bIns="0" anchor="t" anchorCtr="0">
-            <a:spAutoFit/>
-          </a:bodyPr>
-          <a:lstStyle/>
-          <a:p>
-            <a:pPr algn="ctr"/>
-            <a:r>
-              <a:rPr lang="vi-VN" sz="5400" b="1">
-                <a:solidFill>
-                  <a:srgbClr val="00477F"/>
-                </a:solidFill>
-                <a:latin typeface="Open Sans"/>
-                <a:ea typeface="Open Sans"/>
-                <a:cs typeface="Open Sans"/>
-                <a:sym typeface="Open Sans"/>
-              </a:rPr>
-              <a:t>NGHIÊN CỨU BÀI TOÁN PHÁT HIỆN ĐỘNG ĐẤT SỬ DỤNG DỮ LIỆU CẢM BIẾN GIA TỐC</a:t>
-            </a:r>
-            <a:endParaRPr lang="vi-VN" sz="8000" b="1">
-              <a:solidFill>
-                <a:srgbClr val="00477F"/>
-              </a:solidFill>
-              <a:latin typeface="Open Sans"/>
-              <a:ea typeface="Open Sans"/>
-              <a:cs typeface="Open Sans"/>
-              <a:sym typeface="Open Sans"/>
-            </a:endParaRPr>
-          </a:p>
-          <a:p>
-            <a:pPr marL="0" marR="0" lvl="0" indent="0" algn="ctr" rtl="0">
-              <a:spcBef>
-                <a:spcPts val="0"/>
-              </a:spcBef>
-              <a:spcAft>
-                <a:spcPts val="0"/>
-              </a:spcAft>
-              <a:buNone/>
-            </a:pPr>
-            <a:endParaRPr sz="5400" b="1" dirty="0">
-              <a:solidFill>
-                <a:srgbClr val="31356E"/>
-              </a:solidFill>
-              <a:latin typeface="Calibri"/>
-              <a:ea typeface="Calibri"/>
-              <a:cs typeface="Calibri"/>
-              <a:sym typeface="Calibri"/>
-            </a:endParaRPr>
-          </a:p>
-        </p:txBody>
-      </p:sp>
-      <p:sp>
-        <p:nvSpPr>
-          <p:cNvPr id="106" name="Google Shape;106;p2"/>
-          <p:cNvSpPr/>
-          <p:nvPr/>
-        </p:nvSpPr>
-        <p:spPr>
-          <a:xfrm rot="-1922778">
-            <a:off x="14124158" y="7395546"/>
-            <a:ext cx="4857208" cy="2442630"/>
-          </a:xfrm>
-          <a:custGeom>
-            <a:avLst/>
-            <a:gdLst/>
-            <a:ahLst/>
-            <a:cxnLst/>
-            <a:rect l="l" t="t" r="r" b="b"/>
-            <a:pathLst>
-              <a:path w="5863057" h="4114800" extrusionOk="0">
-                <a:moveTo>
-                  <a:pt x="5863057" y="4114800"/>
-                </a:moveTo>
-                <a:lnTo>
-                  <a:pt x="0" y="4114800"/>
-                </a:lnTo>
-                <a:lnTo>
-                  <a:pt x="0" y="0"/>
-                </a:lnTo>
-                <a:lnTo>
-                  <a:pt x="5863057" y="0"/>
-                </a:lnTo>
-                <a:lnTo>
-                  <a:pt x="5863057" y="4114800"/>
-                </a:lnTo>
-                <a:close/>
-              </a:path>
-            </a:pathLst>
-          </a:custGeom>
-          <a:blipFill rotWithShape="1">
-            <a:blip r:embed="rId4">
-              <a:alphaModFix/>
-            </a:blip>
-            <a:stretch>
-              <a:fillRect/>
-            </a:stretch>
-          </a:blipFill>
-          <a:ln>
-            <a:noFill/>
-          </a:ln>
-        </p:spPr>
-      </p:sp>
-      <p:sp>
-        <p:nvSpPr>
-          <p:cNvPr id="107" name="Google Shape;107;p2"/>
-          <p:cNvSpPr/>
-          <p:nvPr/>
-        </p:nvSpPr>
-        <p:spPr>
-          <a:xfrm rot="8979505">
-            <a:off x="8854681" y="8720084"/>
-            <a:ext cx="5204132" cy="2377447"/>
-          </a:xfrm>
-          <a:custGeom>
-            <a:avLst/>
-            <a:gdLst/>
-            <a:ahLst/>
-            <a:cxnLst/>
-            <a:rect l="l" t="t" r="r" b="b"/>
-            <a:pathLst>
-              <a:path w="5863057" h="4114800" extrusionOk="0">
-                <a:moveTo>
-                  <a:pt x="0" y="0"/>
-                </a:moveTo>
-                <a:lnTo>
-                  <a:pt x="5863057" y="0"/>
-                </a:lnTo>
-                <a:lnTo>
-                  <a:pt x="5863057" y="4114800"/>
-                </a:lnTo>
-                <a:lnTo>
-                  <a:pt x="0" y="4114800"/>
-                </a:lnTo>
-                <a:lnTo>
-                  <a:pt x="0" y="0"/>
-                </a:lnTo>
-                <a:close/>
-              </a:path>
-            </a:pathLst>
-          </a:custGeom>
-          <a:blipFill rotWithShape="1">
-            <a:blip r:embed="rId4">
-              <a:alphaModFix/>
-            </a:blip>
-            <a:stretch>
-              <a:fillRect/>
-            </a:stretch>
-          </a:blipFill>
-          <a:ln>
-            <a:noFill/>
-          </a:ln>
-        </p:spPr>
-      </p:sp>
-      <p:sp>
-        <p:nvSpPr>
-          <p:cNvPr id="15" name="Google Shape;95;p1">
-            <a:extLst>
-              <a:ext uri="{FF2B5EF4-FFF2-40B4-BE49-F238E27FC236}">
-                <a16:creationId xmlns:a16="http://schemas.microsoft.com/office/drawing/2014/main" id="{EA103297-C730-4598-AB31-0BF023D43FD0}"/>
-              </a:ext>
-            </a:extLst>
-          </p:cNvPr>
-          <p:cNvSpPr txBox="1"/>
-          <p:nvPr/>
-        </p:nvSpPr>
-        <p:spPr>
-          <a:xfrm>
-            <a:off x="12459" y="194339"/>
-            <a:ext cx="18493905" cy="1231106"/>
-          </a:xfrm>
-          <a:prstGeom prst="rect">
-            <a:avLst/>
-          </a:prstGeom>
-          <a:noFill/>
-          <a:ln>
-            <a:noFill/>
-          </a:ln>
-        </p:spPr>
-        <p:txBody>
-          <a:bodyPr spcFirstLastPara="1" wrap="square" lIns="0" tIns="0" rIns="0" bIns="0" anchor="t" anchorCtr="0">
-            <a:spAutoFit/>
-          </a:bodyPr>
-          <a:lstStyle/>
-          <a:p>
-            <a:pPr marL="0" marR="0" lvl="0" indent="0" algn="ctr" rtl="0">
-              <a:spcBef>
-                <a:spcPts val="0"/>
-              </a:spcBef>
-              <a:spcAft>
-                <a:spcPts val="0"/>
-              </a:spcAft>
-              <a:buNone/>
-            </a:pPr>
-            <a:r>
-              <a:rPr lang="en-US" sz="4000" b="1" dirty="0">
-                <a:solidFill>
-                  <a:srgbClr val="3B6492"/>
-                </a:solidFill>
-                <a:latin typeface="Arial"/>
-                <a:ea typeface="Arial"/>
-                <a:cs typeface="Arial"/>
-                <a:sym typeface="Arial"/>
-              </a:rPr>
-              <a:t>TRƯỜNG ĐẠI HỌC CÔNG NGHỆ</a:t>
-            </a:r>
-          </a:p>
-          <a:p>
-            <a:pPr marL="0" marR="0" lvl="0" indent="0" algn="ctr" rtl="0">
-              <a:spcBef>
-                <a:spcPts val="0"/>
-              </a:spcBef>
-              <a:spcAft>
-                <a:spcPts val="0"/>
-              </a:spcAft>
-              <a:buNone/>
-            </a:pPr>
-            <a:r>
-              <a:rPr lang="en-US" sz="4000" b="1" dirty="0">
-                <a:solidFill>
-                  <a:srgbClr val="3B6492"/>
-                </a:solidFill>
-                <a:latin typeface="Arial"/>
-                <a:ea typeface="Arial"/>
-                <a:cs typeface="Arial"/>
-                <a:sym typeface="Arial"/>
-              </a:rPr>
-              <a:t>ĐẠI HỌC QUỐC GIA HÀ NỘI</a:t>
-            </a:r>
-            <a:endParaRPr sz="4000" b="1" dirty="0">
-              <a:solidFill>
-                <a:srgbClr val="3B6492"/>
-              </a:solidFill>
-              <a:latin typeface="Arial"/>
-              <a:ea typeface="Arial"/>
-              <a:cs typeface="Arial"/>
-              <a:sym typeface="Arial"/>
-            </a:endParaRPr>
-          </a:p>
-        </p:txBody>
-      </p:sp>
-      <p:pic>
-        <p:nvPicPr>
-          <p:cNvPr id="16" name="Picture 2" descr="Trường Đại học Công nghệ, Đại học Quốc gia Hà Nội – Wikipedia tiếng Việt">
-            <a:extLst>
-              <a:ext uri="{FF2B5EF4-FFF2-40B4-BE49-F238E27FC236}">
-                <a16:creationId xmlns:a16="http://schemas.microsoft.com/office/drawing/2014/main" id="{B22B0AB8-FDDA-4B76-AE32-7BFDCE9F15A8}"/>
-              </a:ext>
-            </a:extLst>
-          </p:cNvPr>
-          <p:cNvPicPr>
-            <a:picLocks noChangeAspect="1" noChangeArrowheads="1"/>
-          </p:cNvPicPr>
-          <p:nvPr/>
-        </p:nvPicPr>
-        <p:blipFill>
-          <a:blip r:embed="rId5">
-            <a:extLst>
-              <a:ext uri="{28A0092B-C50C-407E-A947-70E740481C1C}">
-                <a14:useLocalDpi xmlns:a14="http://schemas.microsoft.com/office/drawing/2010/main" val="0"/>
-              </a:ext>
-            </a:extLst>
-          </a:blip>
-          <a:srcRect/>
-          <a:stretch>
-            <a:fillRect/>
-          </a:stretch>
-        </p:blipFill>
-        <p:spPr bwMode="auto">
-          <a:xfrm>
-            <a:off x="214835" y="64717"/>
-            <a:ext cx="1490351" cy="1490351"/>
-          </a:xfrm>
-          <a:prstGeom prst="rect">
-            <a:avLst/>
-          </a:prstGeom>
-          <a:noFill/>
-          <a:extLst>
-            <a:ext uri="{909E8E84-426E-40DD-AFC4-6F175D3DCCD1}">
-              <a14:hiddenFill xmlns:a14="http://schemas.microsoft.com/office/drawing/2010/main">
-                <a:solidFill>
-                  <a:srgbClr val="FFFFFF"/>
-                </a:solidFill>
-              </a14:hiddenFill>
-            </a:ext>
-          </a:extLst>
-        </p:spPr>
-      </p:pic>
-      <p:pic>
-        <p:nvPicPr>
-          <p:cNvPr id="17" name="Picture 16">
-            <a:extLst>
-              <a:ext uri="{FF2B5EF4-FFF2-40B4-BE49-F238E27FC236}">
-                <a16:creationId xmlns:a16="http://schemas.microsoft.com/office/drawing/2014/main" id="{B4AEA8AE-585D-40D2-B1CC-FF273AE9E352}"/>
-              </a:ext>
-            </a:extLst>
-          </p:cNvPr>
-          <p:cNvPicPr>
-            <a:picLocks noChangeAspect="1"/>
-          </p:cNvPicPr>
-          <p:nvPr/>
-        </p:nvPicPr>
-        <p:blipFill>
-          <a:blip r:embed="rId6"/>
-          <a:stretch>
-            <a:fillRect/>
-          </a:stretch>
-        </p:blipFill>
-        <p:spPr>
-          <a:xfrm>
-            <a:off x="15960339" y="66250"/>
-            <a:ext cx="2098524" cy="1488818"/>
-          </a:xfrm>
-          <a:prstGeom prst="rect">
-            <a:avLst/>
-          </a:prstGeom>
-        </p:spPr>
-      </p:pic>
-    </p:spTree>
-  </p:cSld>
-  <p:clrMapOvr>
-    <a:masterClrMapping/>
-  </p:clrMapOvr>
-  <mc:AlternateContent xmlns:mc="http://schemas.openxmlformats.org/markup-compatibility/2006" xmlns:p159="http://schemas.microsoft.com/office/powerpoint/2015/09/main">
-    <mc:Choice Requires="p159">
-      <p:transition xmlns:p14="http://schemas.microsoft.com/office/powerpoint/2010/main" spd="slow" p14:dur="2000">
-        <p159:morph option="byObject"/>
-      </p:transition>
-    </mc:Choice>
-    <mc:Fallback xmlns="">
-      <p:transition spd="slow">
-        <p:fade/>
-      </p:transition>
-    </mc:Fallback>
-  </mc:AlternateContent>
-</p:sld>
-</file>
-
-<file path=ppt/slides/slide20.xml><?xml version="1.0" encoding="utf-8"?>
+<file path=ppt/slides/slide19.xml><?xml version="1.0" encoding="utf-8"?>
 <p:sld xmlns:a="http://schemas.openxmlformats.org/drawingml/2006/main" xmlns:r="http://schemas.openxmlformats.org/officeDocument/2006/relationships" xmlns:p="http://schemas.openxmlformats.org/presentationml/2006/main">
   <p:cSld>
     <p:spTree>
@@ -22198,7 +21036,610 @@
 </p:sld>
 </file>
 
-<file path=ppt/slides/slide21.xml><?xml version="1.0" encoding="utf-8"?>
+<file path=ppt/slides/slide2.xml><?xml version="1.0" encoding="utf-8"?>
+<p:sld xmlns:a="http://schemas.openxmlformats.org/drawingml/2006/main" xmlns:r="http://schemas.openxmlformats.org/officeDocument/2006/relationships" xmlns:p="http://schemas.openxmlformats.org/presentationml/2006/main">
+  <p:cSld>
+    <p:spTree>
+      <p:nvGrpSpPr>
+        <p:cNvPr id="1" name="Shape 88"/>
+        <p:cNvGrpSpPr/>
+        <p:nvPr/>
+      </p:nvGrpSpPr>
+      <p:grpSpPr>
+        <a:xfrm>
+          <a:off x="0" y="0"/>
+          <a:ext cx="0" cy="0"/>
+          <a:chOff x="0" y="0"/>
+          <a:chExt cx="0" cy="0"/>
+        </a:xfrm>
+      </p:grpSpPr>
+      <p:sp>
+        <p:nvSpPr>
+          <p:cNvPr id="89" name="Google Shape;89;p1"/>
+          <p:cNvSpPr/>
+          <p:nvPr/>
+        </p:nvSpPr>
+        <p:spPr>
+          <a:xfrm>
+            <a:off x="0" y="1847490"/>
+            <a:ext cx="18135600" cy="45719"/>
+          </a:xfrm>
+          <a:prstGeom prst="rect">
+            <a:avLst/>
+          </a:prstGeom>
+          <a:solidFill>
+            <a:srgbClr val="00477F"/>
+          </a:solidFill>
+          <a:ln>
+            <a:noFill/>
+          </a:ln>
+        </p:spPr>
+        <p:txBody>
+          <a:bodyPr spcFirstLastPara="1" wrap="square" lIns="91425" tIns="45700" rIns="91425" bIns="45700" anchor="t" anchorCtr="0">
+            <a:noAutofit/>
+          </a:bodyPr>
+          <a:lstStyle/>
+          <a:p>
+            <a:pPr marL="0" marR="0" lvl="0" indent="0" algn="l" rtl="0">
+              <a:spcBef>
+                <a:spcPts val="0"/>
+              </a:spcBef>
+              <a:spcAft>
+                <a:spcPts val="0"/>
+              </a:spcAft>
+              <a:buNone/>
+            </a:pPr>
+            <a:endParaRPr sz="1800" dirty="0">
+              <a:solidFill>
+                <a:schemeClr val="dk1"/>
+              </a:solidFill>
+              <a:latin typeface="Open Sans"/>
+              <a:ea typeface="Open Sans"/>
+              <a:cs typeface="Open Sans"/>
+              <a:sym typeface="Open Sans"/>
+            </a:endParaRPr>
+          </a:p>
+        </p:txBody>
+      </p:sp>
+      <p:sp>
+        <p:nvSpPr>
+          <p:cNvPr id="90" name="Google Shape;90;p1"/>
+          <p:cNvSpPr/>
+          <p:nvPr/>
+        </p:nvSpPr>
+        <p:spPr>
+          <a:xfrm>
+            <a:off x="32657" y="9409901"/>
+            <a:ext cx="18288000" cy="937265"/>
+          </a:xfrm>
+          <a:prstGeom prst="rect">
+            <a:avLst/>
+          </a:prstGeom>
+          <a:solidFill>
+            <a:srgbClr val="00477F"/>
+          </a:solidFill>
+          <a:ln>
+            <a:noFill/>
+          </a:ln>
+        </p:spPr>
+        <p:txBody>
+          <a:bodyPr spcFirstLastPara="1" wrap="square" lIns="91425" tIns="45700" rIns="91425" bIns="45700" anchor="t" anchorCtr="0">
+            <a:noAutofit/>
+          </a:bodyPr>
+          <a:lstStyle/>
+          <a:p>
+            <a:pPr marL="0" marR="0" lvl="0" indent="0" algn="l" rtl="0">
+              <a:spcBef>
+                <a:spcPts val="0"/>
+              </a:spcBef>
+              <a:spcAft>
+                <a:spcPts val="0"/>
+              </a:spcAft>
+              <a:buNone/>
+            </a:pPr>
+            <a:endParaRPr sz="1800" dirty="0">
+              <a:solidFill>
+                <a:schemeClr val="dk1"/>
+              </a:solidFill>
+              <a:latin typeface="Open Sans"/>
+              <a:ea typeface="Open Sans"/>
+              <a:cs typeface="Open Sans"/>
+              <a:sym typeface="Open Sans"/>
+            </a:endParaRPr>
+          </a:p>
+        </p:txBody>
+      </p:sp>
+      <p:sp>
+        <p:nvSpPr>
+          <p:cNvPr id="91" name="Google Shape;91;p1"/>
+          <p:cNvSpPr txBox="1"/>
+          <p:nvPr/>
+        </p:nvSpPr>
+        <p:spPr>
+          <a:xfrm>
+            <a:off x="1270958" y="3134125"/>
+            <a:ext cx="16322700" cy="2677656"/>
+          </a:xfrm>
+          <a:prstGeom prst="rect">
+            <a:avLst/>
+          </a:prstGeom>
+          <a:noFill/>
+          <a:ln>
+            <a:noFill/>
+          </a:ln>
+        </p:spPr>
+        <p:txBody>
+          <a:bodyPr spcFirstLastPara="1" wrap="square" lIns="0" tIns="0" rIns="0" bIns="0" anchor="t" anchorCtr="0">
+            <a:spAutoFit/>
+          </a:bodyPr>
+          <a:lstStyle/>
+          <a:p>
+            <a:pPr marL="0" marR="0" lvl="0" indent="0" algn="ctr" rtl="0">
+              <a:lnSpc>
+                <a:spcPct val="150000"/>
+              </a:lnSpc>
+              <a:spcBef>
+                <a:spcPts val="0"/>
+              </a:spcBef>
+              <a:spcAft>
+                <a:spcPts val="0"/>
+              </a:spcAft>
+              <a:buNone/>
+            </a:pPr>
+            <a:r>
+              <a:rPr lang="en-US" sz="2800" b="1" u="sng" dirty="0" err="1">
+                <a:solidFill>
+                  <a:schemeClr val="dk1"/>
+                </a:solidFill>
+                <a:latin typeface="Open Sans"/>
+                <a:ea typeface="Open Sans"/>
+                <a:cs typeface="Open Sans"/>
+                <a:sym typeface="Open Sans"/>
+              </a:rPr>
+              <a:t>Đề</a:t>
+            </a:r>
+            <a:r>
+              <a:rPr lang="en-US" sz="2800" b="1" u="sng">
+                <a:solidFill>
+                  <a:schemeClr val="dk1"/>
+                </a:solidFill>
+                <a:latin typeface="Open Sans"/>
+                <a:ea typeface="Open Sans"/>
+                <a:cs typeface="Open Sans"/>
+                <a:sym typeface="Open Sans"/>
+              </a:rPr>
+              <a:t> tài:</a:t>
+            </a:r>
+          </a:p>
+          <a:p>
+            <a:pPr lvl="0" algn="ctr">
+              <a:lnSpc>
+                <a:spcPct val="150000"/>
+              </a:lnSpc>
+            </a:pPr>
+            <a:r>
+              <a:rPr lang="vi-VN" sz="4400" b="1">
+                <a:solidFill>
+                  <a:srgbClr val="00477F"/>
+                </a:solidFill>
+                <a:latin typeface="Open Sans"/>
+                <a:ea typeface="Open Sans"/>
+                <a:cs typeface="Open Sans"/>
+                <a:sym typeface="Open Sans"/>
+              </a:rPr>
+              <a:t>NGHIÊN CỨU BÀI TOÁN PHÁT HIỆN ĐỘNG ĐẤT SỬ DỤNG DỮ LIỆU CẢM BIẾN GIA TỐC</a:t>
+            </a:r>
+            <a:endParaRPr lang="vi-VN" sz="6200" b="1">
+              <a:solidFill>
+                <a:srgbClr val="00477F"/>
+              </a:solidFill>
+              <a:latin typeface="Open Sans"/>
+              <a:ea typeface="Open Sans"/>
+              <a:cs typeface="Open Sans"/>
+              <a:sym typeface="Open Sans"/>
+            </a:endParaRPr>
+          </a:p>
+        </p:txBody>
+      </p:sp>
+      <p:sp>
+        <p:nvSpPr>
+          <p:cNvPr id="93" name="Google Shape;93;p1"/>
+          <p:cNvSpPr txBox="1">
+            <a:spLocks noGrp="1"/>
+          </p:cNvSpPr>
+          <p:nvPr>
+            <p:ph type="sldNum" idx="12"/>
+          </p:nvPr>
+        </p:nvSpPr>
+        <p:spPr>
+          <a:xfrm>
+            <a:off x="6553200" y="6356350"/>
+            <a:ext cx="2133600" cy="365125"/>
+          </a:xfrm>
+          <a:prstGeom prst="rect">
+            <a:avLst/>
+          </a:prstGeom>
+          <a:noFill/>
+          <a:ln>
+            <a:noFill/>
+          </a:ln>
+        </p:spPr>
+        <p:txBody>
+          <a:bodyPr spcFirstLastPara="1" wrap="square" lIns="91425" tIns="45700" rIns="91425" bIns="45700" anchor="ctr" anchorCtr="0">
+            <a:noAutofit/>
+          </a:bodyPr>
+          <a:lstStyle/>
+          <a:p>
+            <a:pPr marL="0" lvl="0" indent="0" algn="r" rtl="0">
+              <a:spcBef>
+                <a:spcPts val="0"/>
+              </a:spcBef>
+              <a:spcAft>
+                <a:spcPts val="0"/>
+              </a:spcAft>
+              <a:buNone/>
+            </a:pPr>
+            <a:fld id="{00000000-1234-1234-1234-123412341234}" type="slidenum">
+              <a:rPr lang="en-US">
+                <a:latin typeface="Open Sans"/>
+                <a:ea typeface="Open Sans"/>
+                <a:cs typeface="Open Sans"/>
+                <a:sym typeface="Open Sans"/>
+              </a:rPr>
+              <a:t>2</a:t>
+            </a:fld>
+            <a:endParaRPr>
+              <a:latin typeface="Open Sans"/>
+              <a:ea typeface="Open Sans"/>
+              <a:cs typeface="Open Sans"/>
+              <a:sym typeface="Open Sans"/>
+            </a:endParaRPr>
+          </a:p>
+        </p:txBody>
+      </p:sp>
+      <p:sp>
+        <p:nvSpPr>
+          <p:cNvPr id="94" name="Google Shape;94;p1"/>
+          <p:cNvSpPr txBox="1"/>
+          <p:nvPr/>
+        </p:nvSpPr>
+        <p:spPr>
+          <a:xfrm>
+            <a:off x="8686800" y="7052697"/>
+            <a:ext cx="8906858" cy="1505027"/>
+          </a:xfrm>
+          <a:prstGeom prst="rect">
+            <a:avLst/>
+          </a:prstGeom>
+          <a:noFill/>
+          <a:ln>
+            <a:noFill/>
+          </a:ln>
+        </p:spPr>
+        <p:txBody>
+          <a:bodyPr spcFirstLastPara="1" wrap="square" lIns="0" tIns="0" rIns="0" bIns="0" anchor="t" anchorCtr="0">
+            <a:spAutoFit/>
+          </a:bodyPr>
+          <a:lstStyle/>
+          <a:p>
+            <a:pPr marL="377823" marR="0" lvl="1" indent="0" algn="l" rtl="0">
+              <a:lnSpc>
+                <a:spcPct val="163300"/>
+              </a:lnSpc>
+              <a:spcBef>
+                <a:spcPts val="0"/>
+              </a:spcBef>
+              <a:spcAft>
+                <a:spcPts val="0"/>
+              </a:spcAft>
+              <a:buNone/>
+            </a:pPr>
+            <a:r>
+              <a:rPr lang="en-US" sz="3000" b="1" i="0" u="none" strike="noStrike" cap="none">
+                <a:solidFill>
+                  <a:schemeClr val="dk1"/>
+                </a:solidFill>
+                <a:latin typeface="Open Sans"/>
+                <a:ea typeface="Open Sans"/>
+                <a:cs typeface="Open Sans"/>
+                <a:sym typeface="Open Sans"/>
+              </a:rPr>
+              <a:t>Giảng viên hướng dẫn:  </a:t>
+            </a:r>
+            <a:r>
+              <a:rPr lang="en-US" sz="3000" b="1" i="0" u="none" strike="noStrike" cap="none">
+                <a:solidFill>
+                  <a:srgbClr val="00477F"/>
+                </a:solidFill>
+                <a:latin typeface="Open Sans"/>
+                <a:ea typeface="Open Sans"/>
+                <a:cs typeface="Open Sans"/>
+                <a:sym typeface="Open Sans"/>
+              </a:rPr>
+              <a:t>TS. </a:t>
+            </a:r>
+            <a:r>
+              <a:rPr lang="en-US" sz="3000" b="1">
+                <a:solidFill>
+                  <a:srgbClr val="00477F"/>
+                </a:solidFill>
+                <a:latin typeface="Open Sans"/>
+                <a:ea typeface="Open Sans"/>
+                <a:cs typeface="Open Sans"/>
+                <a:sym typeface="Open Sans"/>
+              </a:rPr>
+              <a:t>Hoàng Văn Mạnh</a:t>
+            </a:r>
+          </a:p>
+          <a:p>
+            <a:pPr marL="377823" lvl="1">
+              <a:lnSpc>
+                <a:spcPct val="163300"/>
+              </a:lnSpc>
+            </a:pPr>
+            <a:r>
+              <a:rPr lang="en-US" sz="3000" b="1">
+                <a:solidFill>
+                  <a:schemeClr val="dk1"/>
+                </a:solidFill>
+                <a:latin typeface="Open Sans"/>
+                <a:ea typeface="Open Sans"/>
+                <a:cs typeface="Open Sans"/>
+                <a:sym typeface="Open Sans"/>
+              </a:rPr>
+              <a:t>Sinh viên thực hiện     :   </a:t>
+            </a:r>
+            <a:r>
+              <a:rPr lang="en-US" sz="3000" b="1">
+                <a:solidFill>
+                  <a:srgbClr val="00477F"/>
+                </a:solidFill>
+                <a:latin typeface="Open Sans"/>
+                <a:ea typeface="Open Sans"/>
+                <a:cs typeface="Open Sans"/>
+                <a:sym typeface="Open Sans"/>
+              </a:rPr>
+              <a:t>Nguyễn Ngọc Thái</a:t>
+            </a:r>
+            <a:endParaRPr sz="3000" b="1" i="0" u="none" strike="noStrike" cap="none">
+              <a:solidFill>
+                <a:srgbClr val="00477F"/>
+              </a:solidFill>
+              <a:latin typeface="Open Sans"/>
+              <a:ea typeface="Open Sans"/>
+              <a:cs typeface="Open Sans"/>
+              <a:sym typeface="Open Sans"/>
+            </a:endParaRPr>
+          </a:p>
+        </p:txBody>
+      </p:sp>
+      <p:sp>
+        <p:nvSpPr>
+          <p:cNvPr id="95" name="Google Shape;95;p1"/>
+          <p:cNvSpPr txBox="1"/>
+          <p:nvPr/>
+        </p:nvSpPr>
+        <p:spPr>
+          <a:xfrm>
+            <a:off x="5800202" y="9609228"/>
+            <a:ext cx="6535196" cy="538609"/>
+          </a:xfrm>
+          <a:prstGeom prst="rect">
+            <a:avLst/>
+          </a:prstGeom>
+          <a:noFill/>
+          <a:ln>
+            <a:noFill/>
+          </a:ln>
+        </p:spPr>
+        <p:txBody>
+          <a:bodyPr spcFirstLastPara="1" wrap="square" lIns="0" tIns="0" rIns="0" bIns="0" anchor="t" anchorCtr="0">
+            <a:spAutoFit/>
+          </a:bodyPr>
+          <a:lstStyle/>
+          <a:p>
+            <a:pPr lvl="0">
+              <a:lnSpc>
+                <a:spcPct val="175000"/>
+              </a:lnSpc>
+            </a:pPr>
+            <a:r>
+              <a:rPr lang="en-US" sz="2000" b="1">
+                <a:solidFill>
+                  <a:srgbClr val="F8F7F0"/>
+                </a:solidFill>
+                <a:latin typeface="Open Sans"/>
+                <a:ea typeface="Open Sans"/>
+                <a:cs typeface="Open Sans"/>
+                <a:sym typeface="Open Sans"/>
+              </a:rPr>
+              <a:t>ĐỀ TÀI TỐT NGHIỆP SINH VIÊN NĂM HỌC 2024-2025</a:t>
+            </a:r>
+            <a:endParaRPr lang="en-US" sz="2000" b="1"/>
+          </a:p>
+        </p:txBody>
+      </p:sp>
+      <p:grpSp>
+        <p:nvGrpSpPr>
+          <p:cNvPr id="4" name="Group 3">
+            <a:extLst>
+              <a:ext uri="{FF2B5EF4-FFF2-40B4-BE49-F238E27FC236}">
+                <a16:creationId xmlns:a16="http://schemas.microsoft.com/office/drawing/2014/main" id="{61964448-0270-4200-AF7C-282D23A60C36}"/>
+              </a:ext>
+            </a:extLst>
+          </p:cNvPr>
+          <p:cNvGrpSpPr/>
+          <p:nvPr/>
+        </p:nvGrpSpPr>
+        <p:grpSpPr>
+          <a:xfrm>
+            <a:off x="6134320" y="415305"/>
+            <a:ext cx="5866958" cy="958188"/>
+            <a:chOff x="6266597" y="444822"/>
+            <a:chExt cx="5866958" cy="958188"/>
+          </a:xfrm>
+        </p:grpSpPr>
+        <p:pic>
+          <p:nvPicPr>
+            <p:cNvPr id="1026" name="Picture 2" descr="Trường Đại học Công nghệ, Đại học Quốc gia Hà Nội – Wikipedia tiếng Việt">
+              <a:extLst>
+                <a:ext uri="{FF2B5EF4-FFF2-40B4-BE49-F238E27FC236}">
+                  <a16:creationId xmlns:a16="http://schemas.microsoft.com/office/drawing/2014/main" id="{C63C857A-9DA5-4CA9-837A-631A0EF247A2}"/>
+                </a:ext>
+              </a:extLst>
+            </p:cNvPr>
+            <p:cNvPicPr>
+              <a:picLocks noChangeAspect="1" noChangeArrowheads="1"/>
+            </p:cNvPicPr>
+            <p:nvPr/>
+          </p:nvPicPr>
+          <p:blipFill>
+            <a:blip r:embed="rId3">
+              <a:extLst>
+                <a:ext uri="{28A0092B-C50C-407E-A947-70E740481C1C}">
+                  <a14:useLocalDpi xmlns:a14="http://schemas.microsoft.com/office/drawing/2010/main" val="0"/>
+                </a:ext>
+              </a:extLst>
+            </a:blip>
+            <a:srcRect/>
+            <a:stretch>
+              <a:fillRect/>
+            </a:stretch>
+          </p:blipFill>
+          <p:spPr bwMode="auto">
+            <a:xfrm>
+              <a:off x="6266597" y="447666"/>
+              <a:ext cx="955344" cy="955344"/>
+            </a:xfrm>
+            <a:prstGeom prst="rect">
+              <a:avLst/>
+            </a:prstGeom>
+            <a:noFill/>
+            <a:extLst>
+              <a:ext uri="{909E8E84-426E-40DD-AFC4-6F175D3DCCD1}">
+                <a14:hiddenFill xmlns:a14="http://schemas.microsoft.com/office/drawing/2010/main">
+                  <a:solidFill>
+                    <a:srgbClr val="FFFFFF"/>
+                  </a:solidFill>
+                </a14:hiddenFill>
+              </a:ext>
+            </a:extLst>
+          </p:spPr>
+        </p:pic>
+        <p:sp>
+          <p:nvSpPr>
+            <p:cNvPr id="3" name="TextBox 2">
+              <a:extLst>
+                <a:ext uri="{FF2B5EF4-FFF2-40B4-BE49-F238E27FC236}">
+                  <a16:creationId xmlns:a16="http://schemas.microsoft.com/office/drawing/2014/main" id="{4CD80F7C-356D-431F-A1EA-FD707C135647}"/>
+                </a:ext>
+              </a:extLst>
+            </p:cNvPr>
+            <p:cNvSpPr txBox="1"/>
+            <p:nvPr/>
+          </p:nvSpPr>
+          <p:spPr>
+            <a:xfrm>
+              <a:off x="6995614" y="444822"/>
+              <a:ext cx="5137941" cy="916405"/>
+            </a:xfrm>
+            <a:prstGeom prst="rect">
+              <a:avLst/>
+            </a:prstGeom>
+            <a:noFill/>
+          </p:spPr>
+          <p:txBody>
+            <a:bodyPr wrap="square" rtlCol="0">
+              <a:spAutoFit/>
+            </a:bodyPr>
+            <a:lstStyle/>
+            <a:p>
+              <a:pPr algn="ctr">
+                <a:lnSpc>
+                  <a:spcPct val="130000"/>
+                </a:lnSpc>
+              </a:pPr>
+              <a:r>
+                <a:rPr lang="en-US" b="1">
+                  <a:solidFill>
+                    <a:srgbClr val="00477F"/>
+                  </a:solidFill>
+                  <a:latin typeface="#9Slide03 Montserrat Medium" panose="00000600000000000000" pitchFamily="2" charset="0"/>
+                </a:rPr>
+                <a:t>TR</a:t>
+              </a:r>
+              <a:r>
+                <a:rPr lang="vi-VN" b="1">
+                  <a:solidFill>
+                    <a:srgbClr val="00477F"/>
+                  </a:solidFill>
+                  <a:latin typeface="#9Slide03 Montserrat Medium" panose="00000600000000000000" pitchFamily="2" charset="0"/>
+                </a:rPr>
+                <a:t>Ư</a:t>
+              </a:r>
+              <a:r>
+                <a:rPr lang="en-US" b="1">
+                  <a:solidFill>
+                    <a:srgbClr val="00477F"/>
+                  </a:solidFill>
+                  <a:latin typeface="#9Slide03 Montserrat Medium" panose="00000600000000000000" pitchFamily="2" charset="0"/>
+                </a:rPr>
+                <a:t>ỜNG ĐẠI HỌC CÔNG NGHỆ</a:t>
+              </a:r>
+            </a:p>
+            <a:p>
+              <a:pPr algn="ctr">
+                <a:lnSpc>
+                  <a:spcPct val="130000"/>
+                </a:lnSpc>
+              </a:pPr>
+              <a:r>
+                <a:rPr lang="en-US" b="1">
+                  <a:solidFill>
+                    <a:srgbClr val="00477F"/>
+                  </a:solidFill>
+                  <a:latin typeface="#9Slide03 Montserrat Medium" panose="00000600000000000000" pitchFamily="2" charset="0"/>
+                </a:rPr>
+                <a:t>ĐẠI HỌC QUỐC GIA HÀ NỘI</a:t>
+              </a:r>
+            </a:p>
+            <a:p>
+              <a:pPr algn="ctr">
+                <a:lnSpc>
+                  <a:spcPct val="130000"/>
+                </a:lnSpc>
+              </a:pPr>
+              <a:r>
+                <a:rPr lang="en-US" b="1">
+                  <a:latin typeface="#9Slide03 Montserrat Light" panose="00000400000000000000" pitchFamily="2" charset="0"/>
+                </a:rPr>
+                <a:t>VNU UNIVERSITY OF ENGINEERING &amp; TECHNOLOGY</a:t>
+              </a:r>
+            </a:p>
+          </p:txBody>
+        </p:sp>
+      </p:grpSp>
+    </p:spTree>
+  </p:cSld>
+  <p:clrMapOvr>
+    <a:masterClrMapping/>
+  </p:clrMapOvr>
+  <mc:AlternateContent xmlns:mc="http://schemas.openxmlformats.org/markup-compatibility/2006" xmlns:p159="http://schemas.microsoft.com/office/powerpoint/2015/09/main">
+    <mc:Choice Requires="p159">
+      <p:transition xmlns:p14="http://schemas.microsoft.com/office/powerpoint/2010/main" spd="slow" p14:dur="2000">
+        <p159:morph option="byObject"/>
+      </p:transition>
+    </mc:Choice>
+    <mc:Fallback xmlns="">
+      <p:transition spd="slow">
+        <p:fade/>
+      </p:transition>
+    </mc:Fallback>
+  </mc:AlternateContent>
+</p:sld>
+</file>
+
+<file path=ppt/slides/slide20.xml><?xml version="1.0" encoding="utf-8"?>
 <p:sld xmlns:a="http://schemas.openxmlformats.org/drawingml/2006/main" xmlns:r="http://schemas.openxmlformats.org/officeDocument/2006/relationships" xmlns:p="http://schemas.openxmlformats.org/presentationml/2006/main">
   <p:cSld>
     <p:spTree>
@@ -22979,7 +22420,7 @@
 </p:sld>
 </file>
 
-<file path=ppt/slides/slide22.xml><?xml version="1.0" encoding="utf-8"?>
+<file path=ppt/slides/slide21.xml><?xml version="1.0" encoding="utf-8"?>
 <p:sld xmlns:a="http://schemas.openxmlformats.org/drawingml/2006/main" xmlns:r="http://schemas.openxmlformats.org/officeDocument/2006/relationships" xmlns:p="http://schemas.openxmlformats.org/presentationml/2006/main">
   <p:cSld>
     <p:spTree>
@@ -23667,7 +23108,7 @@
 </p:sld>
 </file>
 
-<file path=ppt/slides/slide23.xml><?xml version="1.0" encoding="utf-8"?>
+<file path=ppt/slides/slide22.xml><?xml version="1.0" encoding="utf-8"?>
 <p:sld xmlns:a="http://schemas.openxmlformats.org/drawingml/2006/main" xmlns:r="http://schemas.openxmlformats.org/officeDocument/2006/relationships" xmlns:p="http://schemas.openxmlformats.org/presentationml/2006/main">
   <p:cSld>
     <p:spTree>
@@ -24246,7 +23687,7 @@
 </p:sld>
 </file>
 
-<file path=ppt/slides/slide24.xml><?xml version="1.0" encoding="utf-8"?>
+<file path=ppt/slides/slide23.xml><?xml version="1.0" encoding="utf-8"?>
 <p:sld xmlns:a="http://schemas.openxmlformats.org/drawingml/2006/main" xmlns:r="http://schemas.openxmlformats.org/officeDocument/2006/relationships" xmlns:p="http://schemas.openxmlformats.org/presentationml/2006/main">
   <p:cSld>
     <p:spTree>
@@ -24891,7 +24332,7 @@
 </p:sld>
 </file>
 
-<file path=ppt/slides/slide25.xml><?xml version="1.0" encoding="utf-8"?>
+<file path=ppt/slides/slide24.xml><?xml version="1.0" encoding="utf-8"?>
 <p:sld xmlns:a="http://schemas.openxmlformats.org/drawingml/2006/main" xmlns:r="http://schemas.openxmlformats.org/officeDocument/2006/relationships" xmlns:p="http://schemas.openxmlformats.org/presentationml/2006/main">
   <p:cSld>
     <p:spTree>
@@ -25414,7 +24855,7 @@
 </p:sld>
 </file>
 
-<file path=ppt/slides/slide26.xml><?xml version="1.0" encoding="utf-8"?>
+<file path=ppt/slides/slide25.xml><?xml version="1.0" encoding="utf-8"?>
 <p:sld xmlns:a="http://schemas.openxmlformats.org/drawingml/2006/main" xmlns:r="http://schemas.openxmlformats.org/officeDocument/2006/relationships" xmlns:p="http://schemas.openxmlformats.org/presentationml/2006/main">
   <p:cSld>
     <p:spTree>
@@ -26060,7 +25501,7 @@
 </p:sld>
 </file>
 
-<file path=ppt/slides/slide27.xml><?xml version="1.0" encoding="utf-8"?>
+<file path=ppt/slides/slide26.xml><?xml version="1.0" encoding="utf-8"?>
 <p:sld xmlns:a="http://schemas.openxmlformats.org/drawingml/2006/main" xmlns:r="http://schemas.openxmlformats.org/officeDocument/2006/relationships" xmlns:p="http://schemas.openxmlformats.org/presentationml/2006/main">
   <p:cSld>
     <p:spTree>
@@ -26531,7 +25972,7 @@
 </p:sld>
 </file>
 
-<file path=ppt/slides/slide28.xml><?xml version="1.0" encoding="utf-8"?>
+<file path=ppt/slides/slide27.xml><?xml version="1.0" encoding="utf-8"?>
 <p:sld xmlns:a="http://schemas.openxmlformats.org/drawingml/2006/main" xmlns:r="http://schemas.openxmlformats.org/officeDocument/2006/relationships" xmlns:p="http://schemas.openxmlformats.org/presentationml/2006/main">
   <p:cSld>
     <p:spTree>
@@ -27002,7 +26443,7 @@
 </p:sld>
 </file>
 
-<file path=ppt/slides/slide29.xml><?xml version="1.0" encoding="utf-8"?>
+<file path=ppt/slides/slide28.xml><?xml version="1.0" encoding="utf-8"?>
 <p:sld xmlns:a="http://schemas.openxmlformats.org/drawingml/2006/main" xmlns:r="http://schemas.openxmlformats.org/officeDocument/2006/relationships" xmlns:p="http://schemas.openxmlformats.org/presentationml/2006/main">
   <p:cSld>
     <p:spTree>
@@ -27501,609 +26942,6 @@
   <p:cSld>
     <p:spTree>
       <p:nvGrpSpPr>
-        <p:cNvPr id="1" name="Shape 88"/>
-        <p:cNvGrpSpPr/>
-        <p:nvPr/>
-      </p:nvGrpSpPr>
-      <p:grpSpPr>
-        <a:xfrm>
-          <a:off x="0" y="0"/>
-          <a:ext cx="0" cy="0"/>
-          <a:chOff x="0" y="0"/>
-          <a:chExt cx="0" cy="0"/>
-        </a:xfrm>
-      </p:grpSpPr>
-      <p:sp>
-        <p:nvSpPr>
-          <p:cNvPr id="89" name="Google Shape;89;p1"/>
-          <p:cNvSpPr/>
-          <p:nvPr/>
-        </p:nvSpPr>
-        <p:spPr>
-          <a:xfrm>
-            <a:off x="0" y="1847490"/>
-            <a:ext cx="18135600" cy="45719"/>
-          </a:xfrm>
-          <a:prstGeom prst="rect">
-            <a:avLst/>
-          </a:prstGeom>
-          <a:solidFill>
-            <a:srgbClr val="00477F"/>
-          </a:solidFill>
-          <a:ln>
-            <a:noFill/>
-          </a:ln>
-        </p:spPr>
-        <p:txBody>
-          <a:bodyPr spcFirstLastPara="1" wrap="square" lIns="91425" tIns="45700" rIns="91425" bIns="45700" anchor="t" anchorCtr="0">
-            <a:noAutofit/>
-          </a:bodyPr>
-          <a:lstStyle/>
-          <a:p>
-            <a:pPr marL="0" marR="0" lvl="0" indent="0" algn="l" rtl="0">
-              <a:spcBef>
-                <a:spcPts val="0"/>
-              </a:spcBef>
-              <a:spcAft>
-                <a:spcPts val="0"/>
-              </a:spcAft>
-              <a:buNone/>
-            </a:pPr>
-            <a:endParaRPr sz="1800" dirty="0">
-              <a:solidFill>
-                <a:schemeClr val="dk1"/>
-              </a:solidFill>
-              <a:latin typeface="Open Sans"/>
-              <a:ea typeface="Open Sans"/>
-              <a:cs typeface="Open Sans"/>
-              <a:sym typeface="Open Sans"/>
-            </a:endParaRPr>
-          </a:p>
-        </p:txBody>
-      </p:sp>
-      <p:sp>
-        <p:nvSpPr>
-          <p:cNvPr id="90" name="Google Shape;90;p1"/>
-          <p:cNvSpPr/>
-          <p:nvPr/>
-        </p:nvSpPr>
-        <p:spPr>
-          <a:xfrm>
-            <a:off x="32657" y="9409901"/>
-            <a:ext cx="18288000" cy="937265"/>
-          </a:xfrm>
-          <a:prstGeom prst="rect">
-            <a:avLst/>
-          </a:prstGeom>
-          <a:solidFill>
-            <a:srgbClr val="00477F"/>
-          </a:solidFill>
-          <a:ln>
-            <a:noFill/>
-          </a:ln>
-        </p:spPr>
-        <p:txBody>
-          <a:bodyPr spcFirstLastPara="1" wrap="square" lIns="91425" tIns="45700" rIns="91425" bIns="45700" anchor="t" anchorCtr="0">
-            <a:noAutofit/>
-          </a:bodyPr>
-          <a:lstStyle/>
-          <a:p>
-            <a:pPr marL="0" marR="0" lvl="0" indent="0" algn="l" rtl="0">
-              <a:spcBef>
-                <a:spcPts val="0"/>
-              </a:spcBef>
-              <a:spcAft>
-                <a:spcPts val="0"/>
-              </a:spcAft>
-              <a:buNone/>
-            </a:pPr>
-            <a:endParaRPr sz="1800" dirty="0">
-              <a:solidFill>
-                <a:schemeClr val="dk1"/>
-              </a:solidFill>
-              <a:latin typeface="Open Sans"/>
-              <a:ea typeface="Open Sans"/>
-              <a:cs typeface="Open Sans"/>
-              <a:sym typeface="Open Sans"/>
-            </a:endParaRPr>
-          </a:p>
-        </p:txBody>
-      </p:sp>
-      <p:sp>
-        <p:nvSpPr>
-          <p:cNvPr id="91" name="Google Shape;91;p1"/>
-          <p:cNvSpPr txBox="1"/>
-          <p:nvPr/>
-        </p:nvSpPr>
-        <p:spPr>
-          <a:xfrm>
-            <a:off x="1270958" y="3134125"/>
-            <a:ext cx="16322700" cy="2677656"/>
-          </a:xfrm>
-          <a:prstGeom prst="rect">
-            <a:avLst/>
-          </a:prstGeom>
-          <a:noFill/>
-          <a:ln>
-            <a:noFill/>
-          </a:ln>
-        </p:spPr>
-        <p:txBody>
-          <a:bodyPr spcFirstLastPara="1" wrap="square" lIns="0" tIns="0" rIns="0" bIns="0" anchor="t" anchorCtr="0">
-            <a:spAutoFit/>
-          </a:bodyPr>
-          <a:lstStyle/>
-          <a:p>
-            <a:pPr marL="0" marR="0" lvl="0" indent="0" algn="ctr" rtl="0">
-              <a:lnSpc>
-                <a:spcPct val="150000"/>
-              </a:lnSpc>
-              <a:spcBef>
-                <a:spcPts val="0"/>
-              </a:spcBef>
-              <a:spcAft>
-                <a:spcPts val="0"/>
-              </a:spcAft>
-              <a:buNone/>
-            </a:pPr>
-            <a:r>
-              <a:rPr lang="en-US" sz="2800" b="1" u="sng" dirty="0" err="1">
-                <a:solidFill>
-                  <a:schemeClr val="dk1"/>
-                </a:solidFill>
-                <a:latin typeface="Open Sans"/>
-                <a:ea typeface="Open Sans"/>
-                <a:cs typeface="Open Sans"/>
-                <a:sym typeface="Open Sans"/>
-              </a:rPr>
-              <a:t>Đề</a:t>
-            </a:r>
-            <a:r>
-              <a:rPr lang="en-US" sz="2800" b="1" u="sng">
-                <a:solidFill>
-                  <a:schemeClr val="dk1"/>
-                </a:solidFill>
-                <a:latin typeface="Open Sans"/>
-                <a:ea typeface="Open Sans"/>
-                <a:cs typeface="Open Sans"/>
-                <a:sym typeface="Open Sans"/>
-              </a:rPr>
-              <a:t> tài:</a:t>
-            </a:r>
-          </a:p>
-          <a:p>
-            <a:pPr lvl="0" algn="ctr">
-              <a:lnSpc>
-                <a:spcPct val="150000"/>
-              </a:lnSpc>
-            </a:pPr>
-            <a:r>
-              <a:rPr lang="vi-VN" sz="4400" b="1">
-                <a:solidFill>
-                  <a:srgbClr val="00477F"/>
-                </a:solidFill>
-                <a:latin typeface="Open Sans"/>
-                <a:ea typeface="Open Sans"/>
-                <a:cs typeface="Open Sans"/>
-                <a:sym typeface="Open Sans"/>
-              </a:rPr>
-              <a:t>NGHIÊN CỨU BÀI TOÁN PHÁT HIỆN ĐỘNG ĐẤT SỬ DỤNG DỮ LIỆU CẢM BIẾN GIA TỐC</a:t>
-            </a:r>
-            <a:endParaRPr lang="vi-VN" sz="6200" b="1">
-              <a:solidFill>
-                <a:srgbClr val="00477F"/>
-              </a:solidFill>
-              <a:latin typeface="Open Sans"/>
-              <a:ea typeface="Open Sans"/>
-              <a:cs typeface="Open Sans"/>
-              <a:sym typeface="Open Sans"/>
-            </a:endParaRPr>
-          </a:p>
-        </p:txBody>
-      </p:sp>
-      <p:sp>
-        <p:nvSpPr>
-          <p:cNvPr id="93" name="Google Shape;93;p1"/>
-          <p:cNvSpPr txBox="1">
-            <a:spLocks noGrp="1"/>
-          </p:cNvSpPr>
-          <p:nvPr>
-            <p:ph type="sldNum" idx="12"/>
-          </p:nvPr>
-        </p:nvSpPr>
-        <p:spPr>
-          <a:xfrm>
-            <a:off x="6553200" y="6356350"/>
-            <a:ext cx="2133600" cy="365125"/>
-          </a:xfrm>
-          <a:prstGeom prst="rect">
-            <a:avLst/>
-          </a:prstGeom>
-          <a:noFill/>
-          <a:ln>
-            <a:noFill/>
-          </a:ln>
-        </p:spPr>
-        <p:txBody>
-          <a:bodyPr spcFirstLastPara="1" wrap="square" lIns="91425" tIns="45700" rIns="91425" bIns="45700" anchor="ctr" anchorCtr="0">
-            <a:noAutofit/>
-          </a:bodyPr>
-          <a:lstStyle/>
-          <a:p>
-            <a:pPr marL="0" lvl="0" indent="0" algn="r" rtl="0">
-              <a:spcBef>
-                <a:spcPts val="0"/>
-              </a:spcBef>
-              <a:spcAft>
-                <a:spcPts val="0"/>
-              </a:spcAft>
-              <a:buNone/>
-            </a:pPr>
-            <a:fld id="{00000000-1234-1234-1234-123412341234}" type="slidenum">
-              <a:rPr lang="en-US">
-                <a:latin typeface="Open Sans"/>
-                <a:ea typeface="Open Sans"/>
-                <a:cs typeface="Open Sans"/>
-                <a:sym typeface="Open Sans"/>
-              </a:rPr>
-              <a:t>3</a:t>
-            </a:fld>
-            <a:endParaRPr>
-              <a:latin typeface="Open Sans"/>
-              <a:ea typeface="Open Sans"/>
-              <a:cs typeface="Open Sans"/>
-              <a:sym typeface="Open Sans"/>
-            </a:endParaRPr>
-          </a:p>
-        </p:txBody>
-      </p:sp>
-      <p:sp>
-        <p:nvSpPr>
-          <p:cNvPr id="94" name="Google Shape;94;p1"/>
-          <p:cNvSpPr txBox="1"/>
-          <p:nvPr/>
-        </p:nvSpPr>
-        <p:spPr>
-          <a:xfrm>
-            <a:off x="8686800" y="7052697"/>
-            <a:ext cx="8906858" cy="1505027"/>
-          </a:xfrm>
-          <a:prstGeom prst="rect">
-            <a:avLst/>
-          </a:prstGeom>
-          <a:noFill/>
-          <a:ln>
-            <a:noFill/>
-          </a:ln>
-        </p:spPr>
-        <p:txBody>
-          <a:bodyPr spcFirstLastPara="1" wrap="square" lIns="0" tIns="0" rIns="0" bIns="0" anchor="t" anchorCtr="0">
-            <a:spAutoFit/>
-          </a:bodyPr>
-          <a:lstStyle/>
-          <a:p>
-            <a:pPr marL="377823" marR="0" lvl="1" indent="0" algn="l" rtl="0">
-              <a:lnSpc>
-                <a:spcPct val="163300"/>
-              </a:lnSpc>
-              <a:spcBef>
-                <a:spcPts val="0"/>
-              </a:spcBef>
-              <a:spcAft>
-                <a:spcPts val="0"/>
-              </a:spcAft>
-              <a:buNone/>
-            </a:pPr>
-            <a:r>
-              <a:rPr lang="en-US" sz="3000" b="1" i="0" u="none" strike="noStrike" cap="none">
-                <a:solidFill>
-                  <a:schemeClr val="dk1"/>
-                </a:solidFill>
-                <a:latin typeface="Open Sans"/>
-                <a:ea typeface="Open Sans"/>
-                <a:cs typeface="Open Sans"/>
-                <a:sym typeface="Open Sans"/>
-              </a:rPr>
-              <a:t>Giảng viên hướng dẫn:  </a:t>
-            </a:r>
-            <a:r>
-              <a:rPr lang="en-US" sz="3000" b="1" i="0" u="none" strike="noStrike" cap="none">
-                <a:solidFill>
-                  <a:srgbClr val="00477F"/>
-                </a:solidFill>
-                <a:latin typeface="Open Sans"/>
-                <a:ea typeface="Open Sans"/>
-                <a:cs typeface="Open Sans"/>
-                <a:sym typeface="Open Sans"/>
-              </a:rPr>
-              <a:t>TS. </a:t>
-            </a:r>
-            <a:r>
-              <a:rPr lang="en-US" sz="3000" b="1">
-                <a:solidFill>
-                  <a:srgbClr val="00477F"/>
-                </a:solidFill>
-                <a:latin typeface="Open Sans"/>
-                <a:ea typeface="Open Sans"/>
-                <a:cs typeface="Open Sans"/>
-                <a:sym typeface="Open Sans"/>
-              </a:rPr>
-              <a:t>Hoàng Văn Mạnh</a:t>
-            </a:r>
-          </a:p>
-          <a:p>
-            <a:pPr marL="377823" lvl="1">
-              <a:lnSpc>
-                <a:spcPct val="163300"/>
-              </a:lnSpc>
-            </a:pPr>
-            <a:r>
-              <a:rPr lang="en-US" sz="3000" b="1">
-                <a:solidFill>
-                  <a:schemeClr val="dk1"/>
-                </a:solidFill>
-                <a:latin typeface="Open Sans"/>
-                <a:ea typeface="Open Sans"/>
-                <a:cs typeface="Open Sans"/>
-                <a:sym typeface="Open Sans"/>
-              </a:rPr>
-              <a:t>Sinh viên thực hiện     :   </a:t>
-            </a:r>
-            <a:r>
-              <a:rPr lang="en-US" sz="3000" b="1">
-                <a:solidFill>
-                  <a:srgbClr val="00477F"/>
-                </a:solidFill>
-                <a:latin typeface="Open Sans"/>
-                <a:ea typeface="Open Sans"/>
-                <a:cs typeface="Open Sans"/>
-                <a:sym typeface="Open Sans"/>
-              </a:rPr>
-              <a:t>Nguyễn Ngọc Thái</a:t>
-            </a:r>
-            <a:endParaRPr sz="3000" b="1" i="0" u="none" strike="noStrike" cap="none">
-              <a:solidFill>
-                <a:srgbClr val="00477F"/>
-              </a:solidFill>
-              <a:latin typeface="Open Sans"/>
-              <a:ea typeface="Open Sans"/>
-              <a:cs typeface="Open Sans"/>
-              <a:sym typeface="Open Sans"/>
-            </a:endParaRPr>
-          </a:p>
-        </p:txBody>
-      </p:sp>
-      <p:sp>
-        <p:nvSpPr>
-          <p:cNvPr id="95" name="Google Shape;95;p1"/>
-          <p:cNvSpPr txBox="1"/>
-          <p:nvPr/>
-        </p:nvSpPr>
-        <p:spPr>
-          <a:xfrm>
-            <a:off x="5800202" y="9609228"/>
-            <a:ext cx="6535196" cy="538609"/>
-          </a:xfrm>
-          <a:prstGeom prst="rect">
-            <a:avLst/>
-          </a:prstGeom>
-          <a:noFill/>
-          <a:ln>
-            <a:noFill/>
-          </a:ln>
-        </p:spPr>
-        <p:txBody>
-          <a:bodyPr spcFirstLastPara="1" wrap="square" lIns="0" tIns="0" rIns="0" bIns="0" anchor="t" anchorCtr="0">
-            <a:spAutoFit/>
-          </a:bodyPr>
-          <a:lstStyle/>
-          <a:p>
-            <a:pPr lvl="0">
-              <a:lnSpc>
-                <a:spcPct val="175000"/>
-              </a:lnSpc>
-            </a:pPr>
-            <a:r>
-              <a:rPr lang="en-US" sz="2000" b="1">
-                <a:solidFill>
-                  <a:srgbClr val="F8F7F0"/>
-                </a:solidFill>
-                <a:latin typeface="Open Sans"/>
-                <a:ea typeface="Open Sans"/>
-                <a:cs typeface="Open Sans"/>
-                <a:sym typeface="Open Sans"/>
-              </a:rPr>
-              <a:t>ĐỀ TÀI TỐT NGHIỆP SINH VIÊN NĂM HỌC 2024-2025</a:t>
-            </a:r>
-            <a:endParaRPr lang="en-US" sz="2000" b="1"/>
-          </a:p>
-        </p:txBody>
-      </p:sp>
-      <p:grpSp>
-        <p:nvGrpSpPr>
-          <p:cNvPr id="4" name="Group 3">
-            <a:extLst>
-              <a:ext uri="{FF2B5EF4-FFF2-40B4-BE49-F238E27FC236}">
-                <a16:creationId xmlns:a16="http://schemas.microsoft.com/office/drawing/2014/main" id="{61964448-0270-4200-AF7C-282D23A60C36}"/>
-              </a:ext>
-            </a:extLst>
-          </p:cNvPr>
-          <p:cNvGrpSpPr/>
-          <p:nvPr/>
-        </p:nvGrpSpPr>
-        <p:grpSpPr>
-          <a:xfrm>
-            <a:off x="6134320" y="415305"/>
-            <a:ext cx="5866958" cy="958188"/>
-            <a:chOff x="6266597" y="444822"/>
-            <a:chExt cx="5866958" cy="958188"/>
-          </a:xfrm>
-        </p:grpSpPr>
-        <p:pic>
-          <p:nvPicPr>
-            <p:cNvPr id="1026" name="Picture 2" descr="Trường Đại học Công nghệ, Đại học Quốc gia Hà Nội – Wikipedia tiếng Việt">
-              <a:extLst>
-                <a:ext uri="{FF2B5EF4-FFF2-40B4-BE49-F238E27FC236}">
-                  <a16:creationId xmlns:a16="http://schemas.microsoft.com/office/drawing/2014/main" id="{C63C857A-9DA5-4CA9-837A-631A0EF247A2}"/>
-                </a:ext>
-              </a:extLst>
-            </p:cNvPr>
-            <p:cNvPicPr>
-              <a:picLocks noChangeAspect="1" noChangeArrowheads="1"/>
-            </p:cNvPicPr>
-            <p:nvPr/>
-          </p:nvPicPr>
-          <p:blipFill>
-            <a:blip r:embed="rId3">
-              <a:extLst>
-                <a:ext uri="{28A0092B-C50C-407E-A947-70E740481C1C}">
-                  <a14:useLocalDpi xmlns:a14="http://schemas.microsoft.com/office/drawing/2010/main" val="0"/>
-                </a:ext>
-              </a:extLst>
-            </a:blip>
-            <a:srcRect/>
-            <a:stretch>
-              <a:fillRect/>
-            </a:stretch>
-          </p:blipFill>
-          <p:spPr bwMode="auto">
-            <a:xfrm>
-              <a:off x="6266597" y="447666"/>
-              <a:ext cx="955344" cy="955344"/>
-            </a:xfrm>
-            <a:prstGeom prst="rect">
-              <a:avLst/>
-            </a:prstGeom>
-            <a:noFill/>
-            <a:extLst>
-              <a:ext uri="{909E8E84-426E-40DD-AFC4-6F175D3DCCD1}">
-                <a14:hiddenFill xmlns:a14="http://schemas.microsoft.com/office/drawing/2010/main">
-                  <a:solidFill>
-                    <a:srgbClr val="FFFFFF"/>
-                  </a:solidFill>
-                </a14:hiddenFill>
-              </a:ext>
-            </a:extLst>
-          </p:spPr>
-        </p:pic>
-        <p:sp>
-          <p:nvSpPr>
-            <p:cNvPr id="3" name="TextBox 2">
-              <a:extLst>
-                <a:ext uri="{FF2B5EF4-FFF2-40B4-BE49-F238E27FC236}">
-                  <a16:creationId xmlns:a16="http://schemas.microsoft.com/office/drawing/2014/main" id="{4CD80F7C-356D-431F-A1EA-FD707C135647}"/>
-                </a:ext>
-              </a:extLst>
-            </p:cNvPr>
-            <p:cNvSpPr txBox="1"/>
-            <p:nvPr/>
-          </p:nvSpPr>
-          <p:spPr>
-            <a:xfrm>
-              <a:off x="6995614" y="444822"/>
-              <a:ext cx="5137941" cy="916405"/>
-            </a:xfrm>
-            <a:prstGeom prst="rect">
-              <a:avLst/>
-            </a:prstGeom>
-            <a:noFill/>
-          </p:spPr>
-          <p:txBody>
-            <a:bodyPr wrap="square" rtlCol="0">
-              <a:spAutoFit/>
-            </a:bodyPr>
-            <a:lstStyle/>
-            <a:p>
-              <a:pPr algn="ctr">
-                <a:lnSpc>
-                  <a:spcPct val="130000"/>
-                </a:lnSpc>
-              </a:pPr>
-              <a:r>
-                <a:rPr lang="en-US" b="1">
-                  <a:solidFill>
-                    <a:srgbClr val="00477F"/>
-                  </a:solidFill>
-                  <a:latin typeface="#9Slide03 Montserrat Medium" panose="00000600000000000000" pitchFamily="2" charset="0"/>
-                </a:rPr>
-                <a:t>TR</a:t>
-              </a:r>
-              <a:r>
-                <a:rPr lang="vi-VN" b="1">
-                  <a:solidFill>
-                    <a:srgbClr val="00477F"/>
-                  </a:solidFill>
-                  <a:latin typeface="#9Slide03 Montserrat Medium" panose="00000600000000000000" pitchFamily="2" charset="0"/>
-                </a:rPr>
-                <a:t>Ư</a:t>
-              </a:r>
-              <a:r>
-                <a:rPr lang="en-US" b="1">
-                  <a:solidFill>
-                    <a:srgbClr val="00477F"/>
-                  </a:solidFill>
-                  <a:latin typeface="#9Slide03 Montserrat Medium" panose="00000600000000000000" pitchFamily="2" charset="0"/>
-                </a:rPr>
-                <a:t>ỜNG ĐẠI HỌC CÔNG NGHỆ</a:t>
-              </a:r>
-            </a:p>
-            <a:p>
-              <a:pPr algn="ctr">
-                <a:lnSpc>
-                  <a:spcPct val="130000"/>
-                </a:lnSpc>
-              </a:pPr>
-              <a:r>
-                <a:rPr lang="en-US" b="1">
-                  <a:solidFill>
-                    <a:srgbClr val="00477F"/>
-                  </a:solidFill>
-                  <a:latin typeface="#9Slide03 Montserrat Medium" panose="00000600000000000000" pitchFamily="2" charset="0"/>
-                </a:rPr>
-                <a:t>ĐẠI HỌC QUỐC GIA HÀ NỘI</a:t>
-              </a:r>
-            </a:p>
-            <a:p>
-              <a:pPr algn="ctr">
-                <a:lnSpc>
-                  <a:spcPct val="130000"/>
-                </a:lnSpc>
-              </a:pPr>
-              <a:r>
-                <a:rPr lang="en-US" b="1">
-                  <a:latin typeface="#9Slide03 Montserrat Light" panose="00000400000000000000" pitchFamily="2" charset="0"/>
-                </a:rPr>
-                <a:t>VNU UNIVERSITY OF ENGINEERING &amp; TECHNOLOGY</a:t>
-              </a:r>
-            </a:p>
-          </p:txBody>
-        </p:sp>
-      </p:grpSp>
-    </p:spTree>
-  </p:cSld>
-  <p:clrMapOvr>
-    <a:masterClrMapping/>
-  </p:clrMapOvr>
-  <mc:AlternateContent xmlns:mc="http://schemas.openxmlformats.org/markup-compatibility/2006" xmlns:p159="http://schemas.microsoft.com/office/powerpoint/2015/09/main">
-    <mc:Choice Requires="p159">
-      <p:transition xmlns:p14="http://schemas.microsoft.com/office/powerpoint/2010/main" spd="slow" p14:dur="2000">
-        <p159:morph option="byObject"/>
-      </p:transition>
-    </mc:Choice>
-    <mc:Fallback xmlns="">
-      <p:transition spd="slow">
-        <p:fade/>
-      </p:transition>
-    </mc:Fallback>
-  </mc:AlternateContent>
-</p:sld>
-</file>
-
-<file path=ppt/slides/slide4.xml><?xml version="1.0" encoding="utf-8"?>
-<p:sld xmlns:a="http://schemas.openxmlformats.org/drawingml/2006/main" xmlns:r="http://schemas.openxmlformats.org/officeDocument/2006/relationships" xmlns:p="http://schemas.openxmlformats.org/presentationml/2006/main">
-  <p:cSld>
-    <p:spTree>
-      <p:nvGrpSpPr>
         <p:cNvPr id="1" name="Shape 99"/>
         <p:cNvGrpSpPr/>
         <p:nvPr/>
@@ -28502,8 +27340,8 @@
         </p:nvSpPr>
         <p:spPr>
           <a:xfrm>
-            <a:off x="3922487" y="3967891"/>
-            <a:ext cx="8855100" cy="538500"/>
+            <a:off x="3881544" y="3871238"/>
+            <a:ext cx="7085711" cy="753861"/>
           </a:xfrm>
           <a:prstGeom prst="rect">
             <a:avLst/>
@@ -28715,8 +27553,8 @@
         </p:nvSpPr>
         <p:spPr>
           <a:xfrm>
-            <a:off x="3946550" y="4971359"/>
-            <a:ext cx="7348800" cy="538500"/>
+            <a:off x="3905607" y="4874706"/>
+            <a:ext cx="5880394" cy="753861"/>
           </a:xfrm>
           <a:prstGeom prst="rect">
             <a:avLst/>
@@ -28928,8 +27766,8 @@
         </p:nvSpPr>
         <p:spPr>
           <a:xfrm>
-            <a:off x="3946550" y="5953395"/>
-            <a:ext cx="9998100" cy="538500"/>
+            <a:off x="3905607" y="5856742"/>
+            <a:ext cx="8000322" cy="753861"/>
           </a:xfrm>
           <a:prstGeom prst="rect">
             <a:avLst/>
@@ -29293,8 +28131,8 @@
         </p:nvSpPr>
         <p:spPr>
           <a:xfrm>
-            <a:off x="3946549" y="2996908"/>
-            <a:ext cx="12055500" cy="538500"/>
+            <a:off x="3905606" y="2900255"/>
+            <a:ext cx="9646621" cy="753861"/>
           </a:xfrm>
           <a:prstGeom prst="rect">
             <a:avLst/>
@@ -29354,8 +28192,8 @@
         </p:nvSpPr>
         <p:spPr>
           <a:xfrm>
-            <a:off x="3946550" y="6980710"/>
-            <a:ext cx="12055500" cy="538500"/>
+            <a:off x="3905607" y="6884057"/>
+            <a:ext cx="9646621" cy="753861"/>
           </a:xfrm>
           <a:prstGeom prst="rect">
             <a:avLst/>
@@ -29640,7 +28478,7 @@
 </p:sld>
 </file>
 
-<file path=ppt/slides/slide5.xml><?xml version="1.0" encoding="utf-8"?>
+<file path=ppt/slides/slide4.xml><?xml version="1.0" encoding="utf-8"?>
 <p:sld xmlns:a="http://schemas.openxmlformats.org/drawingml/2006/main" xmlns:r="http://schemas.openxmlformats.org/officeDocument/2006/relationships" xmlns:p="http://schemas.openxmlformats.org/presentationml/2006/main">
   <p:cSld>
     <p:spTree>
@@ -29890,7 +28728,7 @@
         <p:spPr>
           <a:xfrm>
             <a:off x="1066800" y="593804"/>
-            <a:ext cx="12687299" cy="1476110"/>
+            <a:ext cx="7460207" cy="1476110"/>
           </a:xfrm>
           <a:prstGeom prst="rect">
             <a:avLst/>
@@ -30177,7 +29015,7 @@
 </p:sld>
 </file>
 
-<file path=ppt/slides/slide6.xml><?xml version="1.0" encoding="utf-8"?>
+<file path=ppt/slides/slide5.xml><?xml version="1.0" encoding="utf-8"?>
 <p:sld xmlns:a="http://schemas.openxmlformats.org/drawingml/2006/main" xmlns:r="http://schemas.openxmlformats.org/officeDocument/2006/relationships" xmlns:p="http://schemas.openxmlformats.org/presentationml/2006/main">
   <p:cSld>
     <p:spTree>
@@ -30427,7 +29265,7 @@
         <p:spPr>
           <a:xfrm>
             <a:off x="1097281" y="754514"/>
-            <a:ext cx="12687299" cy="1051635"/>
+            <a:ext cx="12687299" cy="1476110"/>
           </a:xfrm>
           <a:prstGeom prst="rect">
             <a:avLst/>
@@ -30458,7 +29296,7 @@
             <a:r>
               <a:rPr lang="en-US" sz="4400" b="1">
                 <a:solidFill>
-                  <a:schemeClr val="dk1"/>
+                  <a:schemeClr val="bg2"/>
                 </a:solidFill>
                 <a:latin typeface="Open Sans"/>
                 <a:ea typeface="Open Sans"/>
@@ -30469,7 +29307,7 @@
             </a:r>
             <a:endParaRPr sz="4400" b="1">
               <a:solidFill>
-                <a:schemeClr val="dk1"/>
+                <a:schemeClr val="bg2"/>
               </a:solidFill>
               <a:latin typeface="Open Sans"/>
               <a:ea typeface="Open Sans"/>
@@ -30785,7 +29623,7 @@
 </p:sld>
 </file>
 
-<file path=ppt/slides/slide7.xml><?xml version="1.0" encoding="utf-8"?>
+<file path=ppt/slides/slide6.xml><?xml version="1.0" encoding="utf-8"?>
 <p:sld xmlns:a="http://schemas.openxmlformats.org/drawingml/2006/main" xmlns:r="http://schemas.openxmlformats.org/officeDocument/2006/relationships" xmlns:p="http://schemas.openxmlformats.org/presentationml/2006/main">
   <p:cSld>
     <p:spTree>
@@ -31034,8 +29872,8 @@
         </p:nvSpPr>
         <p:spPr>
           <a:xfrm>
-            <a:off x="1097281" y="754514"/>
-            <a:ext cx="12687299" cy="1051635"/>
+            <a:off x="1097282" y="754514"/>
+            <a:ext cx="9616212" cy="1476110"/>
           </a:xfrm>
           <a:prstGeom prst="rect">
             <a:avLst/>
@@ -31066,7 +29904,7 @@
             <a:r>
               <a:rPr lang="en-US" sz="4400" b="1">
                 <a:solidFill>
-                  <a:schemeClr val="dk1"/>
+                  <a:schemeClr val="bg2"/>
                 </a:solidFill>
                 <a:latin typeface="Open Sans"/>
                 <a:ea typeface="Open Sans"/>
@@ -31077,7 +29915,7 @@
             </a:r>
             <a:endParaRPr sz="4400" b="1">
               <a:solidFill>
-                <a:schemeClr val="dk1"/>
+                <a:schemeClr val="bg2"/>
               </a:solidFill>
               <a:latin typeface="Open Sans"/>
               <a:ea typeface="Open Sans"/>
@@ -31353,7 +30191,7 @@
 </p:sld>
 </file>
 
-<file path=ppt/slides/slide8.xml><?xml version="1.0" encoding="utf-8"?>
+<file path=ppt/slides/slide7.xml><?xml version="1.0" encoding="utf-8"?>
 <p:sld xmlns:a="http://schemas.openxmlformats.org/drawingml/2006/main" xmlns:r="http://schemas.openxmlformats.org/officeDocument/2006/relationships" xmlns:p="http://schemas.openxmlformats.org/presentationml/2006/main">
   <p:cSld>
     <p:spTree>
@@ -31602,8 +30440,8 @@
         </p:nvSpPr>
         <p:spPr>
           <a:xfrm>
-            <a:off x="1066800" y="593804"/>
-            <a:ext cx="12687299" cy="1476110"/>
+            <a:off x="1028701" y="643414"/>
+            <a:ext cx="8674858" cy="1476110"/>
           </a:xfrm>
           <a:prstGeom prst="rect">
             <a:avLst/>
@@ -31619,7 +30457,7 @@
           </a:bodyPr>
           <a:lstStyle/>
           <a:p>
-            <a:pPr marL="742950" marR="0" lvl="0" indent="-742950" algn="l" rtl="0">
+            <a:pPr marL="0" marR="0" lvl="0" indent="0" algn="l" rtl="0">
               <a:lnSpc>
                 <a:spcPct val="218409"/>
               </a:lnSpc>
@@ -31629,11 +30467,71 @@
               <a:spcAft>
                 <a:spcPts val="0"/>
               </a:spcAft>
-              <a:buFont typeface="+mj-lt"/>
-              <a:buAutoNum type="arabicPeriod"/>
+              <a:buNone/>
             </a:pPr>
             <a:r>
               <a:rPr lang="en-US" sz="4400" b="1">
+                <a:solidFill>
+                  <a:schemeClr val="bg2"/>
+                </a:solidFill>
+                <a:latin typeface="Open Sans"/>
+                <a:ea typeface="Open Sans"/>
+                <a:cs typeface="Open Sans"/>
+                <a:sym typeface="Open Sans"/>
+              </a:rPr>
+              <a:t>1. Tính cấp thiết của đề tài</a:t>
+            </a:r>
+            <a:endParaRPr sz="4400" b="1">
+              <a:solidFill>
+                <a:schemeClr val="bg2"/>
+              </a:solidFill>
+              <a:latin typeface="Open Sans"/>
+              <a:ea typeface="Open Sans"/>
+              <a:cs typeface="Open Sans"/>
+              <a:sym typeface="Open Sans"/>
+            </a:endParaRPr>
+          </a:p>
+        </p:txBody>
+      </p:sp>
+      <p:sp>
+        <p:nvSpPr>
+          <p:cNvPr id="11" name="Google Shape;150;p4">
+            <a:extLst>
+              <a:ext uri="{FF2B5EF4-FFF2-40B4-BE49-F238E27FC236}">
+                <a16:creationId xmlns:a16="http://schemas.microsoft.com/office/drawing/2014/main" id="{87F8B4C6-0A58-412C-B0CA-AEFFB990532A}"/>
+              </a:ext>
+            </a:extLst>
+          </p:cNvPr>
+          <p:cNvSpPr txBox="1"/>
+          <p:nvPr/>
+        </p:nvSpPr>
+        <p:spPr>
+          <a:xfrm>
+            <a:off x="1600200" y="2349208"/>
+            <a:ext cx="15621000" cy="5262939"/>
+          </a:xfrm>
+          <a:prstGeom prst="rect">
+            <a:avLst/>
+          </a:prstGeom>
+          <a:noFill/>
+          <a:ln>
+            <a:noFill/>
+          </a:ln>
+        </p:spPr>
+        <p:txBody>
+          <a:bodyPr spcFirstLastPara="1" wrap="square" lIns="91425" tIns="45700" rIns="91425" bIns="45700" anchor="t" anchorCtr="0">
+            <a:spAutoFit/>
+          </a:bodyPr>
+          <a:lstStyle/>
+          <a:p>
+            <a:pPr lvl="0" algn="just">
+              <a:lnSpc>
+                <a:spcPct val="150000"/>
+              </a:lnSpc>
+              <a:buSzPts val="3200"/>
+            </a:pPr>
+            <a:r>
+              <a:rPr lang="en-US" sz="3200" b="1">
                 <a:solidFill>
                   <a:schemeClr val="dk1"/>
                 </a:solidFill>
@@ -31642,11 +30540,559 @@
                 <a:cs typeface="Open Sans"/>
                 <a:sym typeface="Open Sans"/>
               </a:rPr>
-              <a:t>Tính cấp thiết của đề tài</a:t>
+              <a:t>Khái quát tình hình thực trạng:</a:t>
+            </a:r>
+          </a:p>
+          <a:p>
+            <a:pPr marL="457200" lvl="0" indent="-457200" algn="just">
+              <a:lnSpc>
+                <a:spcPct val="150000"/>
+              </a:lnSpc>
+              <a:buSzPts val="3200"/>
+              <a:buFont typeface="Arial" panose="020B0604020202020204" pitchFamily="34" charset="0"/>
+              <a:buChar char="•"/>
+            </a:pPr>
+            <a:r>
+              <a:rPr lang="vi-VN" sz="3200" b="1">
+                <a:latin typeface="Open Sans"/>
+                <a:ea typeface="Open Sans"/>
+                <a:cs typeface="Open Sans"/>
+                <a:sym typeface="Open Sans"/>
+              </a:rPr>
+              <a:t>Trên thế giới: trung bình 20.000 trận mỗi năm, nhiều trận gây thiệt hại lớn (Tohoku 2011, Haiti 2010,...).</a:t>
+            </a:r>
+          </a:p>
+          <a:p>
+            <a:pPr marL="457200" lvl="0" indent="-457200" algn="just">
+              <a:lnSpc>
+                <a:spcPct val="150000"/>
+              </a:lnSpc>
+              <a:buSzPts val="3200"/>
+              <a:buFont typeface="Arial" panose="020B0604020202020204" pitchFamily="34" charset="0"/>
+              <a:buChar char="•"/>
+            </a:pPr>
+            <a:r>
+              <a:rPr lang="vi-VN" sz="3200" b="1">
+                <a:latin typeface="Open Sans"/>
+                <a:ea typeface="Open Sans"/>
+                <a:cs typeface="Open Sans"/>
+                <a:sym typeface="Open Sans"/>
+              </a:rPr>
+              <a:t>Ở Việt Nam: không nằm trong vành đai lửa nhưng vẫn bị ảnh hưởng (Điện Biên, Tuần Giáo, Kon Plông,...).</a:t>
+            </a:r>
+          </a:p>
+          <a:p>
+            <a:pPr marL="457200" lvl="0" indent="-457200" algn="just">
+              <a:lnSpc>
+                <a:spcPct val="150000"/>
+              </a:lnSpc>
+              <a:buSzPts val="3200"/>
+              <a:buFont typeface="Arial" panose="020B0604020202020204" pitchFamily="34" charset="0"/>
+              <a:buChar char="•"/>
+            </a:pPr>
+            <a:r>
+              <a:rPr lang="vi-VN" sz="3200" b="1">
+                <a:latin typeface="Open Sans"/>
+                <a:ea typeface="Open Sans"/>
+                <a:cs typeface="Open Sans"/>
+                <a:sym typeface="Open Sans"/>
+              </a:rPr>
+              <a:t>Động đất do cả tự nhiên và nhân sinh (thủy điện, công trình ngầm).</a:t>
+            </a:r>
+          </a:p>
+          <a:p>
+            <a:pPr lvl="0" algn="just">
+              <a:lnSpc>
+                <a:spcPct val="150000"/>
+              </a:lnSpc>
+              <a:buSzPts val="3200"/>
+            </a:pPr>
+            <a:endParaRPr lang="en-US" sz="3200" b="1">
+              <a:latin typeface="Open Sans"/>
+              <a:ea typeface="Open Sans"/>
+              <a:cs typeface="Open Sans"/>
+              <a:sym typeface="Open Sans"/>
+            </a:endParaRPr>
+          </a:p>
+        </p:txBody>
+      </p:sp>
+      <p:grpSp>
+        <p:nvGrpSpPr>
+          <p:cNvPr id="12" name="Group 11">
+            <a:extLst>
+              <a:ext uri="{FF2B5EF4-FFF2-40B4-BE49-F238E27FC236}">
+                <a16:creationId xmlns:a16="http://schemas.microsoft.com/office/drawing/2014/main" id="{687ADF9A-38F0-4DD9-B395-09460F8A7D4F}"/>
+              </a:ext>
+            </a:extLst>
+          </p:cNvPr>
+          <p:cNvGrpSpPr/>
+          <p:nvPr/>
+        </p:nvGrpSpPr>
+        <p:grpSpPr>
+          <a:xfrm>
+            <a:off x="11387579" y="593804"/>
+            <a:ext cx="5866958" cy="958188"/>
+            <a:chOff x="6266597" y="444822"/>
+            <a:chExt cx="5866958" cy="958188"/>
+          </a:xfrm>
+        </p:grpSpPr>
+        <p:pic>
+          <p:nvPicPr>
+            <p:cNvPr id="13" name="Picture 2" descr="Trường Đại học Công nghệ, Đại học Quốc gia Hà Nội – Wikipedia tiếng Việt">
+              <a:extLst>
+                <a:ext uri="{FF2B5EF4-FFF2-40B4-BE49-F238E27FC236}">
+                  <a16:creationId xmlns:a16="http://schemas.microsoft.com/office/drawing/2014/main" id="{1E110C58-0749-41DF-8696-3E8E2C59163F}"/>
+                </a:ext>
+              </a:extLst>
+            </p:cNvPr>
+            <p:cNvPicPr>
+              <a:picLocks noChangeAspect="1" noChangeArrowheads="1"/>
+            </p:cNvPicPr>
+            <p:nvPr/>
+          </p:nvPicPr>
+          <p:blipFill>
+            <a:blip r:embed="rId3">
+              <a:extLst>
+                <a:ext uri="{28A0092B-C50C-407E-A947-70E740481C1C}">
+                  <a14:useLocalDpi xmlns:a14="http://schemas.microsoft.com/office/drawing/2010/main" val="0"/>
+                </a:ext>
+              </a:extLst>
+            </a:blip>
+            <a:srcRect/>
+            <a:stretch>
+              <a:fillRect/>
+            </a:stretch>
+          </p:blipFill>
+          <p:spPr bwMode="auto">
+            <a:xfrm>
+              <a:off x="6266597" y="447666"/>
+              <a:ext cx="955344" cy="955344"/>
+            </a:xfrm>
+            <a:prstGeom prst="rect">
+              <a:avLst/>
+            </a:prstGeom>
+            <a:noFill/>
+            <a:extLst>
+              <a:ext uri="{909E8E84-426E-40DD-AFC4-6F175D3DCCD1}">
+                <a14:hiddenFill xmlns:a14="http://schemas.microsoft.com/office/drawing/2010/main">
+                  <a:solidFill>
+                    <a:srgbClr val="FFFFFF"/>
+                  </a:solidFill>
+                </a14:hiddenFill>
+              </a:ext>
+            </a:extLst>
+          </p:spPr>
+        </p:pic>
+        <p:sp>
+          <p:nvSpPr>
+            <p:cNvPr id="14" name="TextBox 13">
+              <a:extLst>
+                <a:ext uri="{FF2B5EF4-FFF2-40B4-BE49-F238E27FC236}">
+                  <a16:creationId xmlns:a16="http://schemas.microsoft.com/office/drawing/2014/main" id="{47BA915F-8D3E-4010-B52C-99FE7DF90F75}"/>
+                </a:ext>
+              </a:extLst>
+            </p:cNvPr>
+            <p:cNvSpPr txBox="1"/>
+            <p:nvPr/>
+          </p:nvSpPr>
+          <p:spPr>
+            <a:xfrm>
+              <a:off x="6995614" y="444822"/>
+              <a:ext cx="5137941" cy="916405"/>
+            </a:xfrm>
+            <a:prstGeom prst="rect">
+              <a:avLst/>
+            </a:prstGeom>
+            <a:noFill/>
+          </p:spPr>
+          <p:txBody>
+            <a:bodyPr wrap="square" rtlCol="0">
+              <a:spAutoFit/>
+            </a:bodyPr>
+            <a:lstStyle/>
+            <a:p>
+              <a:pPr algn="ctr">
+                <a:lnSpc>
+                  <a:spcPct val="130000"/>
+                </a:lnSpc>
+              </a:pPr>
+              <a:r>
+                <a:rPr lang="en-US" b="1">
+                  <a:solidFill>
+                    <a:srgbClr val="00477F"/>
+                  </a:solidFill>
+                  <a:latin typeface="#9Slide03 Montserrat Medium" panose="00000600000000000000" pitchFamily="2" charset="0"/>
+                </a:rPr>
+                <a:t>TR</a:t>
+              </a:r>
+              <a:r>
+                <a:rPr lang="vi-VN" b="1">
+                  <a:solidFill>
+                    <a:srgbClr val="00477F"/>
+                  </a:solidFill>
+                  <a:latin typeface="#9Slide03 Montserrat Medium" panose="00000600000000000000" pitchFamily="2" charset="0"/>
+                </a:rPr>
+                <a:t>Ư</a:t>
+              </a:r>
+              <a:r>
+                <a:rPr lang="en-US" b="1">
+                  <a:solidFill>
+                    <a:srgbClr val="00477F"/>
+                  </a:solidFill>
+                  <a:latin typeface="#9Slide03 Montserrat Medium" panose="00000600000000000000" pitchFamily="2" charset="0"/>
+                </a:rPr>
+                <a:t>ỜNG ĐẠI HỌC CÔNG NGHỆ</a:t>
+              </a:r>
+            </a:p>
+            <a:p>
+              <a:pPr algn="ctr">
+                <a:lnSpc>
+                  <a:spcPct val="130000"/>
+                </a:lnSpc>
+              </a:pPr>
+              <a:r>
+                <a:rPr lang="en-US" b="1">
+                  <a:solidFill>
+                    <a:srgbClr val="00477F"/>
+                  </a:solidFill>
+                  <a:latin typeface="#9Slide03 Montserrat Medium" panose="00000600000000000000" pitchFamily="2" charset="0"/>
+                </a:rPr>
+                <a:t>ĐẠI HỌC QUỐC GIA HÀ NỘI</a:t>
+              </a:r>
+            </a:p>
+            <a:p>
+              <a:pPr algn="ctr">
+                <a:lnSpc>
+                  <a:spcPct val="130000"/>
+                </a:lnSpc>
+              </a:pPr>
+              <a:r>
+                <a:rPr lang="en-US" b="1">
+                  <a:latin typeface="#9Slide03 Montserrat Light" panose="00000400000000000000" pitchFamily="2" charset="0"/>
+                </a:rPr>
+                <a:t>VNU UNIVERSITY OF ENGINEERING &amp; TECHNOLOGY</a:t>
+              </a:r>
+            </a:p>
+          </p:txBody>
+        </p:sp>
+      </p:grpSp>
+    </p:spTree>
+    <p:extLst>
+      <p:ext uri="{BB962C8B-B14F-4D97-AF65-F5344CB8AC3E}">
+        <p14:creationId xmlns:p14="http://schemas.microsoft.com/office/powerpoint/2010/main" val="911554202"/>
+      </p:ext>
+    </p:extLst>
+  </p:cSld>
+  <p:clrMapOvr>
+    <a:masterClrMapping/>
+  </p:clrMapOvr>
+  <mc:AlternateContent xmlns:mc="http://schemas.openxmlformats.org/markup-compatibility/2006" xmlns:p159="http://schemas.microsoft.com/office/powerpoint/2015/09/main">
+    <mc:Choice Requires="p159">
+      <p:transition xmlns:p14="http://schemas.microsoft.com/office/powerpoint/2010/main" spd="slow" p14:dur="2000">
+        <p159:morph option="byObject"/>
+      </p:transition>
+    </mc:Choice>
+    <mc:Fallback xmlns="">
+      <p:transition spd="slow">
+        <p:fade/>
+      </p:transition>
+    </mc:Fallback>
+  </mc:AlternateContent>
+</p:sld>
+</file>
+
+<file path=ppt/slides/slide8.xml><?xml version="1.0" encoding="utf-8"?>
+<p:sld xmlns:a="http://schemas.openxmlformats.org/drawingml/2006/main" xmlns:r="http://schemas.openxmlformats.org/officeDocument/2006/relationships" xmlns:p="http://schemas.openxmlformats.org/presentationml/2006/main">
+  <p:cSld>
+    <p:spTree>
+      <p:nvGrpSpPr>
+        <p:cNvPr id="1" name="Shape 99"/>
+        <p:cNvGrpSpPr/>
+        <p:nvPr/>
+      </p:nvGrpSpPr>
+      <p:grpSpPr>
+        <a:xfrm>
+          <a:off x="0" y="0"/>
+          <a:ext cx="0" cy="0"/>
+          <a:chOff x="0" y="0"/>
+          <a:chExt cx="0" cy="0"/>
+        </a:xfrm>
+      </p:grpSpPr>
+      <p:grpSp>
+        <p:nvGrpSpPr>
+          <p:cNvPr id="100" name="Google Shape;100;p2"/>
+          <p:cNvGrpSpPr/>
+          <p:nvPr/>
+        </p:nvGrpSpPr>
+        <p:grpSpPr>
+          <a:xfrm>
+            <a:off x="0" y="9563570"/>
+            <a:ext cx="18288000" cy="744052"/>
+            <a:chOff x="0" y="0"/>
+            <a:chExt cx="25315333" cy="2330007"/>
+          </a:xfrm>
+          <a:solidFill>
+            <a:srgbClr val="00477F"/>
+          </a:solidFill>
+        </p:grpSpPr>
+        <p:sp>
+          <p:nvSpPr>
+            <p:cNvPr id="101" name="Google Shape;101;p2"/>
+            <p:cNvSpPr/>
+            <p:nvPr/>
+          </p:nvSpPr>
+          <p:spPr>
+            <a:xfrm>
+              <a:off x="0" y="0"/>
+              <a:ext cx="25315333" cy="2330007"/>
+            </a:xfrm>
+            <a:prstGeom prst="rect">
+              <a:avLst/>
+            </a:prstGeom>
+            <a:grpFill/>
+            <a:ln>
+              <a:noFill/>
+            </a:ln>
+          </p:spPr>
+          <p:txBody>
+            <a:bodyPr spcFirstLastPara="1" wrap="square" lIns="91425" tIns="45700" rIns="91425" bIns="45700" anchor="t" anchorCtr="0">
+              <a:noAutofit/>
+            </a:bodyPr>
+            <a:lstStyle/>
+            <a:p>
+              <a:pPr marL="0" marR="0" lvl="0" indent="0" algn="l" rtl="0">
+                <a:spcBef>
+                  <a:spcPts val="0"/>
+                </a:spcBef>
+                <a:spcAft>
+                  <a:spcPts val="0"/>
+                </a:spcAft>
+                <a:buNone/>
+              </a:pPr>
+              <a:endParaRPr sz="1800">
+                <a:solidFill>
+                  <a:schemeClr val="dk1"/>
+                </a:solidFill>
+                <a:latin typeface="Open Sans"/>
+                <a:ea typeface="Open Sans"/>
+                <a:cs typeface="Open Sans"/>
+                <a:sym typeface="Open Sans"/>
+              </a:endParaRPr>
+            </a:p>
+          </p:txBody>
+        </p:sp>
+        <p:sp>
+          <p:nvSpPr>
+            <p:cNvPr id="102" name="Google Shape;102;p2"/>
+            <p:cNvSpPr txBox="1"/>
+            <p:nvPr/>
+          </p:nvSpPr>
+          <p:spPr>
+            <a:xfrm>
+              <a:off x="843844" y="491343"/>
+              <a:ext cx="13763919" cy="1686660"/>
+            </a:xfrm>
+            <a:prstGeom prst="rect">
+              <a:avLst/>
+            </a:prstGeom>
+            <a:grpFill/>
+            <a:ln>
+              <a:noFill/>
+            </a:ln>
+          </p:spPr>
+          <p:txBody>
+            <a:bodyPr spcFirstLastPara="1" wrap="square" lIns="0" tIns="0" rIns="0" bIns="0" anchor="t" anchorCtr="0">
+              <a:spAutoFit/>
+            </a:bodyPr>
+            <a:lstStyle/>
+            <a:p>
+              <a:pPr marL="0" marR="0" lvl="0" indent="0" algn="l" rtl="0">
+                <a:lnSpc>
+                  <a:spcPct val="175000"/>
+                </a:lnSpc>
+                <a:spcBef>
+                  <a:spcPts val="0"/>
+                </a:spcBef>
+                <a:spcAft>
+                  <a:spcPts val="0"/>
+                </a:spcAft>
+                <a:buNone/>
+              </a:pPr>
+              <a:r>
+                <a:rPr lang="en-US" sz="2000" b="1">
+                  <a:solidFill>
+                    <a:srgbClr val="F8F7F0"/>
+                  </a:solidFill>
+                  <a:latin typeface="Open Sans"/>
+                  <a:ea typeface="Open Sans"/>
+                  <a:cs typeface="Open Sans"/>
+                  <a:sym typeface="Open Sans"/>
+                </a:rPr>
+                <a:t>ĐỀ TÀI TỐT NGHIỆP SINH VIÊN NĂM HỌC 2024-2025</a:t>
+              </a:r>
+              <a:endParaRPr b="1"/>
+            </a:p>
+          </p:txBody>
+        </p:sp>
+      </p:grpSp>
+      <p:sp>
+        <p:nvSpPr>
+          <p:cNvPr id="104" name="Google Shape;104;p2"/>
+          <p:cNvSpPr/>
+          <p:nvPr/>
+        </p:nvSpPr>
+        <p:spPr>
+          <a:xfrm>
+            <a:off x="1028700" y="1948793"/>
+            <a:ext cx="16192500" cy="114300"/>
+          </a:xfrm>
+          <a:prstGeom prst="rect">
+            <a:avLst/>
+          </a:prstGeom>
+          <a:solidFill>
+            <a:srgbClr val="00477F"/>
+          </a:solidFill>
+          <a:ln>
+            <a:noFill/>
+          </a:ln>
+        </p:spPr>
+        <p:txBody>
+          <a:bodyPr spcFirstLastPara="1" wrap="square" lIns="91425" tIns="45700" rIns="91425" bIns="45700" anchor="t" anchorCtr="0">
+            <a:noAutofit/>
+          </a:bodyPr>
+          <a:lstStyle/>
+          <a:p>
+            <a:pPr marL="0" marR="0" lvl="0" indent="0" algn="l" rtl="0">
+              <a:spcBef>
+                <a:spcPts val="0"/>
+              </a:spcBef>
+              <a:spcAft>
+                <a:spcPts val="0"/>
+              </a:spcAft>
+              <a:buNone/>
+            </a:pPr>
+            <a:endParaRPr sz="1800">
+              <a:solidFill>
+                <a:schemeClr val="dk1"/>
+              </a:solidFill>
+              <a:latin typeface="Open Sans"/>
+              <a:ea typeface="Open Sans"/>
+              <a:cs typeface="Open Sans"/>
+              <a:sym typeface="Open Sans"/>
+            </a:endParaRPr>
+          </a:p>
+        </p:txBody>
+      </p:sp>
+      <p:sp>
+        <p:nvSpPr>
+          <p:cNvPr id="127" name="Google Shape;127;p2"/>
+          <p:cNvSpPr txBox="1"/>
+          <p:nvPr/>
+        </p:nvSpPr>
+        <p:spPr>
+          <a:xfrm>
+            <a:off x="16830675" y="9692822"/>
+            <a:ext cx="847725" cy="424634"/>
+          </a:xfrm>
+          <a:prstGeom prst="rect">
+            <a:avLst/>
+          </a:prstGeom>
+          <a:noFill/>
+          <a:ln>
+            <a:noFill/>
+          </a:ln>
+        </p:spPr>
+        <p:txBody>
+          <a:bodyPr spcFirstLastPara="1" wrap="square" lIns="0" tIns="0" rIns="0" bIns="0" anchor="t" anchorCtr="0">
+            <a:spAutoFit/>
+          </a:bodyPr>
+          <a:lstStyle/>
+          <a:p>
+            <a:pPr marL="0" marR="0" lvl="0" indent="0" algn="r" rtl="0">
+              <a:lnSpc>
+                <a:spcPct val="140016"/>
+              </a:lnSpc>
+              <a:spcBef>
+                <a:spcPts val="0"/>
+              </a:spcBef>
+              <a:spcAft>
+                <a:spcPts val="0"/>
+              </a:spcAft>
+              <a:buNone/>
+            </a:pPr>
+            <a:r>
+              <a:rPr lang="en-US" sz="2499">
+                <a:solidFill>
+                  <a:srgbClr val="F8F7F0"/>
+                </a:solidFill>
+                <a:latin typeface="Open Sans"/>
+                <a:ea typeface="Open Sans"/>
+                <a:cs typeface="Open Sans"/>
+                <a:sym typeface="Open Sans"/>
+              </a:rPr>
+              <a:t>2</a:t>
+            </a:r>
+            <a:endParaRPr/>
+          </a:p>
+        </p:txBody>
+      </p:sp>
+      <p:sp>
+        <p:nvSpPr>
+          <p:cNvPr id="34" name="Google Shape;135;p3">
+            <a:extLst>
+              <a:ext uri="{FF2B5EF4-FFF2-40B4-BE49-F238E27FC236}">
+                <a16:creationId xmlns:a16="http://schemas.microsoft.com/office/drawing/2014/main" id="{FC8A295F-3240-4CA2-93A0-FF107B713972}"/>
+              </a:ext>
+            </a:extLst>
+          </p:cNvPr>
+          <p:cNvSpPr txBox="1"/>
+          <p:nvPr/>
+        </p:nvSpPr>
+        <p:spPr>
+          <a:xfrm>
+            <a:off x="1066801" y="472683"/>
+            <a:ext cx="7831540" cy="1476110"/>
+          </a:xfrm>
+          <a:prstGeom prst="rect">
+            <a:avLst/>
+          </a:prstGeom>
+          <a:noFill/>
+          <a:ln>
+            <a:noFill/>
+          </a:ln>
+        </p:spPr>
+        <p:txBody>
+          <a:bodyPr spcFirstLastPara="1" wrap="square" lIns="0" tIns="0" rIns="0" bIns="0" anchor="t" anchorCtr="0">
+            <a:spAutoFit/>
+          </a:bodyPr>
+          <a:lstStyle/>
+          <a:p>
+            <a:pPr marR="0" lvl="0" algn="l" rtl="0">
+              <a:lnSpc>
+                <a:spcPct val="218409"/>
+              </a:lnSpc>
+              <a:spcBef>
+                <a:spcPts val="0"/>
+              </a:spcBef>
+              <a:spcAft>
+                <a:spcPts val="0"/>
+              </a:spcAft>
+            </a:pPr>
+            <a:r>
+              <a:rPr lang="en-US" sz="4400" b="1">
+                <a:solidFill>
+                  <a:schemeClr val="bg2"/>
+                </a:solidFill>
+                <a:latin typeface="Open Sans"/>
+                <a:ea typeface="Open Sans"/>
+                <a:cs typeface="Open Sans"/>
+                <a:sym typeface="Open Sans"/>
+              </a:rPr>
+              <a:t>1. Tính cấp thiết của đề tài</a:t>
             </a:r>
             <a:endParaRPr sz="4400" b="1">
               <a:solidFill>
-                <a:schemeClr val="dk1"/>
+                <a:schemeClr val="bg2"/>
               </a:solidFill>
               <a:latin typeface="Open Sans"/>
               <a:ea typeface="Open Sans"/>
@@ -32101,7 +31547,7 @@
                 <a:buNone/>
               </a:pPr>
               <a:r>
-                <a:rPr lang="en-US" sz="2000" b="1">
+                <a:rPr lang="en-US" sz="2000">
                   <a:solidFill>
                     <a:srgbClr val="F8F7F0"/>
                   </a:solidFill>
@@ -32112,7 +31558,7 @@
                 </a:rPr>
                 <a:t>ĐỀ TÀI TỐT NGHIỆP SINH VIÊN NĂM HỌC 2024-2025</a:t>
               </a:r>
-              <a:endParaRPr b="1"/>
+              <a:endParaRPr/>
             </a:p>
           </p:txBody>
         </p:sp>
@@ -32232,8 +31678,8 @@
         </p:nvSpPr>
         <p:spPr>
           <a:xfrm>
-            <a:off x="1097281" y="754514"/>
-            <a:ext cx="12687299" cy="1051635"/>
+            <a:off x="1066801" y="529833"/>
+            <a:ext cx="7271982" cy="1476110"/>
           </a:xfrm>
           <a:prstGeom prst="rect">
             <a:avLst/>
@@ -32249,33 +31695,38 @@
           </a:bodyPr>
           <a:lstStyle/>
           <a:p>
-            <a:pPr marL="0" marR="0" lvl="0" indent="0" algn="l" rtl="0">
+            <a:pPr lvl="0">
               <a:lnSpc>
                 <a:spcPct val="218409"/>
               </a:lnSpc>
-              <a:spcBef>
-                <a:spcPts val="0"/>
-              </a:spcBef>
-              <a:spcAft>
-                <a:spcPts val="0"/>
-              </a:spcAft>
-              <a:buNone/>
             </a:pPr>
             <a:r>
-              <a:rPr lang="en-US" sz="4400" b="1">
+              <a:rPr lang="vi-VN" sz="4400" b="1">
                 <a:solidFill>
-                  <a:schemeClr val="dk1"/>
+                  <a:schemeClr val="bg2"/>
                 </a:solidFill>
                 <a:latin typeface="Open Sans"/>
                 <a:ea typeface="Open Sans"/>
                 <a:cs typeface="Open Sans"/>
                 <a:sym typeface="Open Sans"/>
               </a:rPr>
-              <a:t>1. Tính cấp thiết của đề tài</a:t>
+              <a:t>2. </a:t>
             </a:r>
-            <a:endParaRPr sz="4400" b="1">
+            <a:r>
+              <a:rPr lang="en-US" sz="4400" b="1">
+                <a:solidFill>
+                  <a:schemeClr val="bg2"/>
+                </a:solidFill>
+                <a:latin typeface="Open Sans"/>
+                <a:ea typeface="Open Sans"/>
+                <a:cs typeface="Open Sans"/>
+                <a:sym typeface="Open Sans"/>
+              </a:rPr>
+              <a:t>Mục tiêu nghiên cứu</a:t>
+            </a:r>
+            <a:endParaRPr lang="vi-VN" sz="4400" b="1">
               <a:solidFill>
-                <a:schemeClr val="dk1"/>
+                <a:schemeClr val="bg2"/>
               </a:solidFill>
               <a:latin typeface="Open Sans"/>
               <a:ea typeface="Open Sans"/>
@@ -32287,124 +31738,79 @@
       </p:sp>
       <p:sp>
         <p:nvSpPr>
-          <p:cNvPr id="11" name="Google Shape;150;p4">
+          <p:cNvPr id="2" name="Rectangle 1">
             <a:extLst>
               <a:ext uri="{FF2B5EF4-FFF2-40B4-BE49-F238E27FC236}">
-                <a16:creationId xmlns:a16="http://schemas.microsoft.com/office/drawing/2014/main" id="{87F8B4C6-0A58-412C-B0CA-AEFFB990532A}"/>
+                <a16:creationId xmlns:a16="http://schemas.microsoft.com/office/drawing/2014/main" id="{B056211F-3503-44A4-A389-F1C9D3D2652F}"/>
               </a:ext>
             </a:extLst>
           </p:cNvPr>
-          <p:cNvSpPr txBox="1"/>
+          <p:cNvSpPr/>
           <p:nvPr/>
         </p:nvSpPr>
         <p:spPr>
           <a:xfrm>
-            <a:off x="1600200" y="2349208"/>
-            <a:ext cx="15621000" cy="5262939"/>
+            <a:off x="1066800" y="2620620"/>
+            <a:ext cx="12826621" cy="2180340"/>
           </a:xfrm>
           <a:prstGeom prst="rect">
             <a:avLst/>
           </a:prstGeom>
-          <a:noFill/>
-          <a:ln>
-            <a:noFill/>
-          </a:ln>
         </p:spPr>
         <p:txBody>
-          <a:bodyPr spcFirstLastPara="1" wrap="square" lIns="91425" tIns="45700" rIns="91425" bIns="45700" anchor="t" anchorCtr="0">
+          <a:bodyPr wrap="square">
             <a:spAutoFit/>
           </a:bodyPr>
           <a:lstStyle/>
           <a:p>
-            <a:pPr lvl="0" algn="just">
+            <a:pPr lvl="0">
               <a:lnSpc>
-                <a:spcPct val="150000"/>
+                <a:spcPct val="135000"/>
               </a:lnSpc>
-              <a:buSzPts val="3200"/>
+              <a:spcBef>
+                <a:spcPts val="600"/>
+              </a:spcBef>
+              <a:spcAft>
+                <a:spcPts val="600"/>
+              </a:spcAft>
+              <a:buSzPts val="1000"/>
+              <a:tabLst>
+                <a:tab pos="457200" algn="l"/>
+              </a:tabLst>
             </a:pPr>
             <a:r>
-              <a:rPr lang="en-US" sz="3200" b="1">
-                <a:solidFill>
-                  <a:schemeClr val="dk1"/>
-                </a:solidFill>
-                <a:latin typeface="Open Sans"/>
-                <a:ea typeface="Open Sans"/>
-                <a:cs typeface="Open Sans"/>
-                <a:sym typeface="Open Sans"/>
+              <a:rPr lang="vi-VN" sz="3200" b="1">
+                <a:latin typeface="Open Sans" panose="020B0604020202020204" charset="0"/>
+                <a:ea typeface="Open Sans" panose="020B0604020202020204" charset="0"/>
+                <a:cs typeface="Open Sans" panose="020B0604020202020204" charset="0"/>
               </a:rPr>
-              <a:t>Khái quát tình hình thực trạng:</a:t>
+              <a:t>•	Xây dựng hệ thống học máy phân biệt động đất và nhiễu từ dữ liệu cảm biến gia tốc.</a:t>
             </a:r>
           </a:p>
           <a:p>
-            <a:pPr marL="457200" lvl="0" indent="-457200" algn="just">
+            <a:pPr lvl="0">
               <a:lnSpc>
-                <a:spcPct val="150000"/>
+                <a:spcPct val="135000"/>
               </a:lnSpc>
-              <a:buSzPts val="3200"/>
-              <a:buFont typeface="Arial" panose="020B0604020202020204" pitchFamily="34" charset="0"/>
-              <a:buChar char="•"/>
+              <a:spcBef>
+                <a:spcPts val="600"/>
+              </a:spcBef>
+              <a:spcAft>
+                <a:spcPts val="600"/>
+              </a:spcAft>
+              <a:buSzPts val="1000"/>
+              <a:tabLst>
+                <a:tab pos="457200" algn="l"/>
+              </a:tabLst>
             </a:pPr>
             <a:r>
               <a:rPr lang="vi-VN" sz="3200" b="1">
-                <a:latin typeface="Open Sans"/>
-                <a:ea typeface="Open Sans"/>
-                <a:cs typeface="Open Sans"/>
-                <a:sym typeface="Open Sans"/>
+                <a:latin typeface="Open Sans" panose="020B0604020202020204" charset="0"/>
+                <a:ea typeface="Open Sans" panose="020B0604020202020204" charset="0"/>
+                <a:cs typeface="Open Sans" panose="020B0604020202020204" charset="0"/>
               </a:rPr>
-              <a:t>Trên thế giới: trung bình 20.000 trận mỗi năm, nhiều trận gây thiệt hại lớn (Tohoku 2011, Haiti 2010,...).</a:t>
+              <a:t>•	Triển khai giao diện thử nghiệm cho người dùng.</a:t>
             </a:r>
-          </a:p>
-          <a:p>
-            <a:pPr marL="457200" lvl="0" indent="-457200" algn="just">
-              <a:lnSpc>
-                <a:spcPct val="150000"/>
-              </a:lnSpc>
-              <a:buSzPts val="3200"/>
-              <a:buFont typeface="Arial" panose="020B0604020202020204" pitchFamily="34" charset="0"/>
-              <a:buChar char="•"/>
-            </a:pPr>
-            <a:r>
-              <a:rPr lang="vi-VN" sz="3200" b="1">
-                <a:latin typeface="Open Sans"/>
-                <a:ea typeface="Open Sans"/>
-                <a:cs typeface="Open Sans"/>
-                <a:sym typeface="Open Sans"/>
-              </a:rPr>
-              <a:t>Ở Việt Nam: không nằm trong vành đai lửa nhưng vẫn bị ảnh hưởng (Điện Biên, Tuần Giáo, Kon Plông,...).</a:t>
-            </a:r>
-          </a:p>
-          <a:p>
-            <a:pPr marL="457200" lvl="0" indent="-457200" algn="just">
-              <a:lnSpc>
-                <a:spcPct val="150000"/>
-              </a:lnSpc>
-              <a:buSzPts val="3200"/>
-              <a:buFont typeface="Arial" panose="020B0604020202020204" pitchFamily="34" charset="0"/>
-              <a:buChar char="•"/>
-            </a:pPr>
-            <a:r>
-              <a:rPr lang="vi-VN" sz="3200" b="1">
-                <a:latin typeface="Open Sans"/>
-                <a:ea typeface="Open Sans"/>
-                <a:cs typeface="Open Sans"/>
-                <a:sym typeface="Open Sans"/>
-              </a:rPr>
-              <a:t>Động đất do cả tự nhiên và nhân sinh (thủy điện, công trình ngầm).</a:t>
-            </a:r>
-          </a:p>
-          <a:p>
-            <a:pPr lvl="0" algn="just">
-              <a:lnSpc>
-                <a:spcPct val="150000"/>
-              </a:lnSpc>
-              <a:buSzPts val="3200"/>
-            </a:pPr>
-            <a:endParaRPr lang="en-US" sz="3200" b="1">
-              <a:latin typeface="Open Sans"/>
-              <a:ea typeface="Open Sans"/>
-              <a:cs typeface="Open Sans"/>
-              <a:sym typeface="Open Sans"/>
-            </a:endParaRPr>
           </a:p>
         </p:txBody>
       </p:sp>
@@ -32413,7 +31819,7 @@
           <p:cNvPr id="12" name="Group 11">
             <a:extLst>
               <a:ext uri="{FF2B5EF4-FFF2-40B4-BE49-F238E27FC236}">
-                <a16:creationId xmlns:a16="http://schemas.microsoft.com/office/drawing/2014/main" id="{687ADF9A-38F0-4DD9-B395-09460F8A7D4F}"/>
+                <a16:creationId xmlns:a16="http://schemas.microsoft.com/office/drawing/2014/main" id="{C85E1AFB-8948-44E8-9CFE-8D9417F2A1A0}"/>
               </a:ext>
             </a:extLst>
           </p:cNvPr>
@@ -32433,7 +31839,7 @@
             <p:cNvPr id="13" name="Picture 2" descr="Trường Đại học Công nghệ, Đại học Quốc gia Hà Nội – Wikipedia tiếng Việt">
               <a:extLst>
                 <a:ext uri="{FF2B5EF4-FFF2-40B4-BE49-F238E27FC236}">
-                  <a16:creationId xmlns:a16="http://schemas.microsoft.com/office/drawing/2014/main" id="{1E110C58-0749-41DF-8696-3E8E2C59163F}"/>
+                  <a16:creationId xmlns:a16="http://schemas.microsoft.com/office/drawing/2014/main" id="{00D3D9C4-CAFA-489D-A31D-892862C3F075}"/>
                 </a:ext>
               </a:extLst>
             </p:cNvPr>
@@ -32480,7 +31886,7 @@
             <p:cNvPr id="14" name="TextBox 13">
               <a:extLst>
                 <a:ext uri="{FF2B5EF4-FFF2-40B4-BE49-F238E27FC236}">
-                  <a16:creationId xmlns:a16="http://schemas.microsoft.com/office/drawing/2014/main" id="{47BA915F-8D3E-4010-B52C-99FE7DF90F75}"/>
+                  <a16:creationId xmlns:a16="http://schemas.microsoft.com/office/drawing/2014/main" id="{4FB30544-E583-4F40-8CE8-E95DB24947E6}"/>
                 </a:ext>
               </a:extLst>
             </p:cNvPr>
@@ -32571,7 +31977,7 @@
     </p:spTree>
     <p:extLst>
       <p:ext uri="{BB962C8B-B14F-4D97-AF65-F5344CB8AC3E}">
-        <p14:creationId xmlns:p14="http://schemas.microsoft.com/office/powerpoint/2010/main" val="911554202"/>
+        <p14:creationId xmlns:p14="http://schemas.microsoft.com/office/powerpoint/2010/main" val="2337313142"/>
       </p:ext>
     </p:extLst>
   </p:cSld>
